--- a/Presentation/Presentation.pptx
+++ b/Presentation/Presentation.pptx
@@ -4,14 +4,26 @@
   <p:sldMasterIdLst>
     <p:sldMasterId id="2147483648" r:id="rId1"/>
   </p:sldMasterIdLst>
+  <p:notesMasterIdLst>
+    <p:notesMasterId r:id="rId18"/>
+  </p:notesMasterIdLst>
   <p:sldIdLst>
-    <p:sldId id="256" r:id="rId2"/>
-    <p:sldId id="257" r:id="rId3"/>
-    <p:sldId id="258" r:id="rId4"/>
-    <p:sldId id="262" r:id="rId5"/>
-    <p:sldId id="259" r:id="rId6"/>
-    <p:sldId id="261" r:id="rId7"/>
-    <p:sldId id="260" r:id="rId8"/>
+    <p:sldId id="265" r:id="rId2"/>
+    <p:sldId id="264" r:id="rId3"/>
+    <p:sldId id="256" r:id="rId4"/>
+    <p:sldId id="257" r:id="rId5"/>
+    <p:sldId id="258" r:id="rId6"/>
+    <p:sldId id="266" r:id="rId7"/>
+    <p:sldId id="263" r:id="rId8"/>
+    <p:sldId id="273" r:id="rId9"/>
+    <p:sldId id="262" r:id="rId10"/>
+    <p:sldId id="267" r:id="rId11"/>
+    <p:sldId id="269" r:id="rId12"/>
+    <p:sldId id="270" r:id="rId13"/>
+    <p:sldId id="271" r:id="rId14"/>
+    <p:sldId id="259" r:id="rId15"/>
+    <p:sldId id="261" r:id="rId16"/>
+    <p:sldId id="260" r:id="rId17"/>
   </p:sldIdLst>
   <p:sldSz cx="12192000" cy="6858000"/>
   <p:notesSz cx="6858000" cy="9144000"/>
@@ -116,6 +128,572 @@
     </p:ext>
   </p:extLst>
 </p:presentation>
+</file>
+
+<file path=ppt/notesMasters/notesMaster1.xml><?xml version="1.0" encoding="utf-8"?>
+<p:notesMaster xmlns:a="http://schemas.openxmlformats.org/drawingml/2006/main" xmlns:r="http://schemas.openxmlformats.org/officeDocument/2006/relationships" xmlns:p="http://schemas.openxmlformats.org/presentationml/2006/main">
+  <p:cSld>
+    <p:bg>
+      <p:bgRef idx="1001">
+        <a:schemeClr val="bg1"/>
+      </p:bgRef>
+    </p:bg>
+    <p:spTree>
+      <p:nvGrpSpPr>
+        <p:cNvPr id="1" name=""/>
+        <p:cNvGrpSpPr/>
+        <p:nvPr/>
+      </p:nvGrpSpPr>
+      <p:grpSpPr>
+        <a:xfrm>
+          <a:off x="0" y="0"/>
+          <a:ext cx="0" cy="0"/>
+          <a:chOff x="0" y="0"/>
+          <a:chExt cx="0" cy="0"/>
+        </a:xfrm>
+      </p:grpSpPr>
+      <p:sp>
+        <p:nvSpPr>
+          <p:cNvPr id="2" name="Kopfzeilenplatzhalter 1"/>
+          <p:cNvSpPr>
+            <a:spLocks noGrp="1"/>
+          </p:cNvSpPr>
+          <p:nvPr>
+            <p:ph type="hdr" sz="quarter"/>
+          </p:nvPr>
+        </p:nvSpPr>
+        <p:spPr>
+          <a:xfrm>
+            <a:off x="0" y="0"/>
+            <a:ext cx="2971800" cy="458788"/>
+          </a:xfrm>
+          <a:prstGeom prst="rect">
+            <a:avLst/>
+          </a:prstGeom>
+        </p:spPr>
+        <p:txBody>
+          <a:bodyPr vert="horz" lIns="91440" tIns="45720" rIns="91440" bIns="45720" rtlCol="0"/>
+          <a:lstStyle>
+            <a:lvl1pPr algn="l">
+              <a:defRPr sz="1200"/>
+            </a:lvl1pPr>
+          </a:lstStyle>
+          <a:p>
+            <a:endParaRPr lang="de-CH"/>
+          </a:p>
+        </p:txBody>
+      </p:sp>
+      <p:sp>
+        <p:nvSpPr>
+          <p:cNvPr id="3" name="Datumsplatzhalter 2"/>
+          <p:cNvSpPr>
+            <a:spLocks noGrp="1"/>
+          </p:cNvSpPr>
+          <p:nvPr>
+            <p:ph type="dt" idx="1"/>
+          </p:nvPr>
+        </p:nvSpPr>
+        <p:spPr>
+          <a:xfrm>
+            <a:off x="3884613" y="0"/>
+            <a:ext cx="2971800" cy="458788"/>
+          </a:xfrm>
+          <a:prstGeom prst="rect">
+            <a:avLst/>
+          </a:prstGeom>
+        </p:spPr>
+        <p:txBody>
+          <a:bodyPr vert="horz" lIns="91440" tIns="45720" rIns="91440" bIns="45720" rtlCol="0"/>
+          <a:lstStyle>
+            <a:lvl1pPr algn="r">
+              <a:defRPr sz="1200"/>
+            </a:lvl1pPr>
+          </a:lstStyle>
+          <a:p>
+            <a:fld id="{686A6453-B623-4BE9-8438-89C2ED0AAD30}" type="datetimeFigureOut">
+              <a:rPr lang="de-CH" smtClean="0"/>
+              <a:t>17.05.2017</a:t>
+            </a:fld>
+            <a:endParaRPr lang="de-CH"/>
+          </a:p>
+        </p:txBody>
+      </p:sp>
+      <p:sp>
+        <p:nvSpPr>
+          <p:cNvPr id="4" name="Folienbildplatzhalter 3"/>
+          <p:cNvSpPr>
+            <a:spLocks noGrp="1" noRot="1" noChangeAspect="1"/>
+          </p:cNvSpPr>
+          <p:nvPr>
+            <p:ph type="sldImg" idx="2"/>
+          </p:nvPr>
+        </p:nvSpPr>
+        <p:spPr>
+          <a:xfrm>
+            <a:off x="685800" y="1143000"/>
+            <a:ext cx="5486400" cy="3086100"/>
+          </a:xfrm>
+          <a:prstGeom prst="rect">
+            <a:avLst/>
+          </a:prstGeom>
+          <a:noFill/>
+          <a:ln w="12700">
+            <a:solidFill>
+              <a:prstClr val="black"/>
+            </a:solidFill>
+          </a:ln>
+        </p:spPr>
+        <p:txBody>
+          <a:bodyPr vert="horz" lIns="91440" tIns="45720" rIns="91440" bIns="45720" rtlCol="0" anchor="ctr"/>
+          <a:lstStyle/>
+          <a:p>
+            <a:endParaRPr lang="de-CH"/>
+          </a:p>
+        </p:txBody>
+      </p:sp>
+      <p:sp>
+        <p:nvSpPr>
+          <p:cNvPr id="5" name="Notizenplatzhalter 4"/>
+          <p:cNvSpPr>
+            <a:spLocks noGrp="1"/>
+          </p:cNvSpPr>
+          <p:nvPr>
+            <p:ph type="body" sz="quarter" idx="3"/>
+          </p:nvPr>
+        </p:nvSpPr>
+        <p:spPr>
+          <a:xfrm>
+            <a:off x="685800" y="4400550"/>
+            <a:ext cx="5486400" cy="3600450"/>
+          </a:xfrm>
+          <a:prstGeom prst="rect">
+            <a:avLst/>
+          </a:prstGeom>
+        </p:spPr>
+        <p:txBody>
+          <a:bodyPr vert="horz" lIns="91440" tIns="45720" rIns="91440" bIns="45720" rtlCol="0"/>
+          <a:lstStyle/>
+          <a:p>
+            <a:pPr lvl="0"/>
+            <a:r>
+              <a:rPr lang="de-DE"/>
+              <a:t>Formatvorlagen des Textmasters bearbeiten</a:t>
+            </a:r>
+          </a:p>
+          <a:p>
+            <a:pPr lvl="1"/>
+            <a:r>
+              <a:rPr lang="de-DE"/>
+              <a:t>Zweite Ebene</a:t>
+            </a:r>
+          </a:p>
+          <a:p>
+            <a:pPr lvl="2"/>
+            <a:r>
+              <a:rPr lang="de-DE"/>
+              <a:t>Dritte Ebene</a:t>
+            </a:r>
+          </a:p>
+          <a:p>
+            <a:pPr lvl="3"/>
+            <a:r>
+              <a:rPr lang="de-DE"/>
+              <a:t>Vierte Ebene</a:t>
+            </a:r>
+          </a:p>
+          <a:p>
+            <a:pPr lvl="4"/>
+            <a:r>
+              <a:rPr lang="de-DE"/>
+              <a:t>Fünfte Ebene</a:t>
+            </a:r>
+            <a:endParaRPr lang="de-CH"/>
+          </a:p>
+        </p:txBody>
+      </p:sp>
+      <p:sp>
+        <p:nvSpPr>
+          <p:cNvPr id="6" name="Fußzeilenplatzhalter 5"/>
+          <p:cNvSpPr>
+            <a:spLocks noGrp="1"/>
+          </p:cNvSpPr>
+          <p:nvPr>
+            <p:ph type="ftr" sz="quarter" idx="4"/>
+          </p:nvPr>
+        </p:nvSpPr>
+        <p:spPr>
+          <a:xfrm>
+            <a:off x="0" y="8685213"/>
+            <a:ext cx="2971800" cy="458787"/>
+          </a:xfrm>
+          <a:prstGeom prst="rect">
+            <a:avLst/>
+          </a:prstGeom>
+        </p:spPr>
+        <p:txBody>
+          <a:bodyPr vert="horz" lIns="91440" tIns="45720" rIns="91440" bIns="45720" rtlCol="0" anchor="b"/>
+          <a:lstStyle>
+            <a:lvl1pPr algn="l">
+              <a:defRPr sz="1200"/>
+            </a:lvl1pPr>
+          </a:lstStyle>
+          <a:p>
+            <a:endParaRPr lang="de-CH"/>
+          </a:p>
+        </p:txBody>
+      </p:sp>
+      <p:sp>
+        <p:nvSpPr>
+          <p:cNvPr id="7" name="Foliennummernplatzhalter 6"/>
+          <p:cNvSpPr>
+            <a:spLocks noGrp="1"/>
+          </p:cNvSpPr>
+          <p:nvPr>
+            <p:ph type="sldNum" sz="quarter" idx="5"/>
+          </p:nvPr>
+        </p:nvSpPr>
+        <p:spPr>
+          <a:xfrm>
+            <a:off x="3884613" y="8685213"/>
+            <a:ext cx="2971800" cy="458787"/>
+          </a:xfrm>
+          <a:prstGeom prst="rect">
+            <a:avLst/>
+          </a:prstGeom>
+        </p:spPr>
+        <p:txBody>
+          <a:bodyPr vert="horz" lIns="91440" tIns="45720" rIns="91440" bIns="45720" rtlCol="0" anchor="b"/>
+          <a:lstStyle>
+            <a:lvl1pPr algn="r">
+              <a:defRPr sz="1200"/>
+            </a:lvl1pPr>
+          </a:lstStyle>
+          <a:p>
+            <a:fld id="{E1D581C7-825C-4EFD-9323-5393369FB682}" type="slidenum">
+              <a:rPr lang="de-CH" smtClean="0"/>
+              <a:t>‹Nr.›</a:t>
+            </a:fld>
+            <a:endParaRPr lang="de-CH"/>
+          </a:p>
+        </p:txBody>
+      </p:sp>
+    </p:spTree>
+    <p:extLst>
+      <p:ext uri="{BB962C8B-B14F-4D97-AF65-F5344CB8AC3E}">
+        <p14:creationId xmlns:p14="http://schemas.microsoft.com/office/powerpoint/2010/main" val="2974652372"/>
+      </p:ext>
+    </p:extLst>
+  </p:cSld>
+  <p:clrMap bg1="lt1" tx1="dk1" bg2="lt2" tx2="dk2" accent1="accent1" accent2="accent2" accent3="accent3" accent4="accent4" accent5="accent5" accent6="accent6" hlink="hlink" folHlink="folHlink"/>
+  <p:notesStyle>
+    <a:lvl1pPr marL="0" algn="l" defTabSz="914400" rtl="0" eaLnBrk="1" latinLnBrk="0" hangingPunct="1">
+      <a:defRPr sz="1200" kern="1200">
+        <a:solidFill>
+          <a:schemeClr val="tx1"/>
+        </a:solidFill>
+        <a:latin typeface="+mn-lt"/>
+        <a:ea typeface="+mn-ea"/>
+        <a:cs typeface="+mn-cs"/>
+      </a:defRPr>
+    </a:lvl1pPr>
+    <a:lvl2pPr marL="457200" algn="l" defTabSz="914400" rtl="0" eaLnBrk="1" latinLnBrk="0" hangingPunct="1">
+      <a:defRPr sz="1200" kern="1200">
+        <a:solidFill>
+          <a:schemeClr val="tx1"/>
+        </a:solidFill>
+        <a:latin typeface="+mn-lt"/>
+        <a:ea typeface="+mn-ea"/>
+        <a:cs typeface="+mn-cs"/>
+      </a:defRPr>
+    </a:lvl2pPr>
+    <a:lvl3pPr marL="914400" algn="l" defTabSz="914400" rtl="0" eaLnBrk="1" latinLnBrk="0" hangingPunct="1">
+      <a:defRPr sz="1200" kern="1200">
+        <a:solidFill>
+          <a:schemeClr val="tx1"/>
+        </a:solidFill>
+        <a:latin typeface="+mn-lt"/>
+        <a:ea typeface="+mn-ea"/>
+        <a:cs typeface="+mn-cs"/>
+      </a:defRPr>
+    </a:lvl3pPr>
+    <a:lvl4pPr marL="1371600" algn="l" defTabSz="914400" rtl="0" eaLnBrk="1" latinLnBrk="0" hangingPunct="1">
+      <a:defRPr sz="1200" kern="1200">
+        <a:solidFill>
+          <a:schemeClr val="tx1"/>
+        </a:solidFill>
+        <a:latin typeface="+mn-lt"/>
+        <a:ea typeface="+mn-ea"/>
+        <a:cs typeface="+mn-cs"/>
+      </a:defRPr>
+    </a:lvl4pPr>
+    <a:lvl5pPr marL="1828800" algn="l" defTabSz="914400" rtl="0" eaLnBrk="1" latinLnBrk="0" hangingPunct="1">
+      <a:defRPr sz="1200" kern="1200">
+        <a:solidFill>
+          <a:schemeClr val="tx1"/>
+        </a:solidFill>
+        <a:latin typeface="+mn-lt"/>
+        <a:ea typeface="+mn-ea"/>
+        <a:cs typeface="+mn-cs"/>
+      </a:defRPr>
+    </a:lvl5pPr>
+    <a:lvl6pPr marL="2286000" algn="l" defTabSz="914400" rtl="0" eaLnBrk="1" latinLnBrk="0" hangingPunct="1">
+      <a:defRPr sz="1200" kern="1200">
+        <a:solidFill>
+          <a:schemeClr val="tx1"/>
+        </a:solidFill>
+        <a:latin typeface="+mn-lt"/>
+        <a:ea typeface="+mn-ea"/>
+        <a:cs typeface="+mn-cs"/>
+      </a:defRPr>
+    </a:lvl6pPr>
+    <a:lvl7pPr marL="2743200" algn="l" defTabSz="914400" rtl="0" eaLnBrk="1" latinLnBrk="0" hangingPunct="1">
+      <a:defRPr sz="1200" kern="1200">
+        <a:solidFill>
+          <a:schemeClr val="tx1"/>
+        </a:solidFill>
+        <a:latin typeface="+mn-lt"/>
+        <a:ea typeface="+mn-ea"/>
+        <a:cs typeface="+mn-cs"/>
+      </a:defRPr>
+    </a:lvl7pPr>
+    <a:lvl8pPr marL="3200400" algn="l" defTabSz="914400" rtl="0" eaLnBrk="1" latinLnBrk="0" hangingPunct="1">
+      <a:defRPr sz="1200" kern="1200">
+        <a:solidFill>
+          <a:schemeClr val="tx1"/>
+        </a:solidFill>
+        <a:latin typeface="+mn-lt"/>
+        <a:ea typeface="+mn-ea"/>
+        <a:cs typeface="+mn-cs"/>
+      </a:defRPr>
+    </a:lvl8pPr>
+    <a:lvl9pPr marL="3657600" algn="l" defTabSz="914400" rtl="0" eaLnBrk="1" latinLnBrk="0" hangingPunct="1">
+      <a:defRPr sz="1200" kern="1200">
+        <a:solidFill>
+          <a:schemeClr val="tx1"/>
+        </a:solidFill>
+        <a:latin typeface="+mn-lt"/>
+        <a:ea typeface="+mn-ea"/>
+        <a:cs typeface="+mn-cs"/>
+      </a:defRPr>
+    </a:lvl9pPr>
+  </p:notesStyle>
+</p:notesMaster>
+</file>
+
+<file path=ppt/notesSlides/notesSlide1.xml><?xml version="1.0" encoding="utf-8"?>
+<p:notes xmlns:a="http://schemas.openxmlformats.org/drawingml/2006/main" xmlns:r="http://schemas.openxmlformats.org/officeDocument/2006/relationships" xmlns:p="http://schemas.openxmlformats.org/presentationml/2006/main">
+  <p:cSld>
+    <p:spTree>
+      <p:nvGrpSpPr>
+        <p:cNvPr id="1" name=""/>
+        <p:cNvGrpSpPr/>
+        <p:nvPr/>
+      </p:nvGrpSpPr>
+      <p:grpSpPr>
+        <a:xfrm>
+          <a:off x="0" y="0"/>
+          <a:ext cx="0" cy="0"/>
+          <a:chOff x="0" y="0"/>
+          <a:chExt cx="0" cy="0"/>
+        </a:xfrm>
+      </p:grpSpPr>
+      <p:sp>
+        <p:nvSpPr>
+          <p:cNvPr id="2" name="Folienbildplatzhalter 1"/>
+          <p:cNvSpPr>
+            <a:spLocks noGrp="1" noRot="1" noChangeAspect="1"/>
+          </p:cNvSpPr>
+          <p:nvPr>
+            <p:ph type="sldImg"/>
+          </p:nvPr>
+        </p:nvSpPr>
+        <p:spPr/>
+      </p:sp>
+      <p:sp>
+        <p:nvSpPr>
+          <p:cNvPr id="3" name="Notizenplatzhalter 2"/>
+          <p:cNvSpPr>
+            <a:spLocks noGrp="1"/>
+          </p:cNvSpPr>
+          <p:nvPr>
+            <p:ph type="body" idx="1"/>
+          </p:nvPr>
+        </p:nvSpPr>
+        <p:spPr/>
+        <p:txBody>
+          <a:bodyPr/>
+          <a:lstStyle/>
+          <a:p>
+            <a:r>
+              <a:rPr lang="de-CH" dirty="0" err="1"/>
+              <a:t>Pimp</a:t>
+            </a:r>
+            <a:r>
+              <a:rPr lang="de-CH" dirty="0"/>
+              <a:t> für 8 Sensoren erwähnen…</a:t>
+            </a:r>
+          </a:p>
+        </p:txBody>
+      </p:sp>
+      <p:sp>
+        <p:nvSpPr>
+          <p:cNvPr id="4" name="Foliennummernplatzhalter 3"/>
+          <p:cNvSpPr>
+            <a:spLocks noGrp="1"/>
+          </p:cNvSpPr>
+          <p:nvPr>
+            <p:ph type="sldNum" sz="quarter" idx="10"/>
+          </p:nvPr>
+        </p:nvSpPr>
+        <p:spPr/>
+        <p:txBody>
+          <a:bodyPr/>
+          <a:lstStyle/>
+          <a:p>
+            <a:fld id="{E1D581C7-825C-4EFD-9323-5393369FB682}" type="slidenum">
+              <a:rPr lang="de-CH" smtClean="0"/>
+              <a:t>7</a:t>
+            </a:fld>
+            <a:endParaRPr lang="de-CH"/>
+          </a:p>
+        </p:txBody>
+      </p:sp>
+    </p:spTree>
+    <p:extLst>
+      <p:ext uri="{BB962C8B-B14F-4D97-AF65-F5344CB8AC3E}">
+        <p14:creationId xmlns:p14="http://schemas.microsoft.com/office/powerpoint/2010/main" val="2411882367"/>
+      </p:ext>
+    </p:extLst>
+  </p:cSld>
+  <p:clrMapOvr>
+    <a:masterClrMapping/>
+  </p:clrMapOvr>
+</p:notes>
+</file>
+
+<file path=ppt/notesSlides/notesSlide2.xml><?xml version="1.0" encoding="utf-8"?>
+<p:notes xmlns:a="http://schemas.openxmlformats.org/drawingml/2006/main" xmlns:r="http://schemas.openxmlformats.org/officeDocument/2006/relationships" xmlns:p="http://schemas.openxmlformats.org/presentationml/2006/main">
+  <p:cSld>
+    <p:spTree>
+      <p:nvGrpSpPr>
+        <p:cNvPr id="1" name=""/>
+        <p:cNvGrpSpPr/>
+        <p:nvPr/>
+      </p:nvGrpSpPr>
+      <p:grpSpPr>
+        <a:xfrm>
+          <a:off x="0" y="0"/>
+          <a:ext cx="0" cy="0"/>
+          <a:chOff x="0" y="0"/>
+          <a:chExt cx="0" cy="0"/>
+        </a:xfrm>
+      </p:grpSpPr>
+      <p:sp>
+        <p:nvSpPr>
+          <p:cNvPr id="2" name="Folienbildplatzhalter 1"/>
+          <p:cNvSpPr>
+            <a:spLocks noGrp="1" noRot="1" noChangeAspect="1"/>
+          </p:cNvSpPr>
+          <p:nvPr>
+            <p:ph type="sldImg"/>
+          </p:nvPr>
+        </p:nvSpPr>
+        <p:spPr/>
+      </p:sp>
+      <p:sp>
+        <p:nvSpPr>
+          <p:cNvPr id="3" name="Notizenplatzhalter 2"/>
+          <p:cNvSpPr>
+            <a:spLocks noGrp="1"/>
+          </p:cNvSpPr>
+          <p:nvPr>
+            <p:ph type="body" idx="1"/>
+          </p:nvPr>
+        </p:nvSpPr>
+        <p:spPr/>
+        <p:txBody>
+          <a:bodyPr/>
+          <a:lstStyle/>
+          <a:p>
+            <a:r>
+              <a:rPr lang="de-CH" baseline="0" dirty="0"/>
+              <a:t>Klasse </a:t>
+            </a:r>
+            <a:r>
+              <a:rPr lang="de-CH" baseline="0" dirty="0" err="1"/>
+              <a:t>EMailSender</a:t>
+            </a:r>
+            <a:r>
+              <a:rPr lang="de-CH" baseline="0" dirty="0"/>
+              <a:t>, Mail einstellbar in XML(nicht zur Laufzeit). Dienst benötigt Neustart.</a:t>
+            </a:r>
+          </a:p>
+          <a:p>
+            <a:pPr marL="0" marR="0" lvl="0" indent="0" algn="l" defTabSz="914400" rtl="0" eaLnBrk="1" fontAlgn="auto" latinLnBrk="0" hangingPunct="1">
+              <a:lnSpc>
+                <a:spcPct val="100000"/>
+              </a:lnSpc>
+              <a:spcBef>
+                <a:spcPts val="0"/>
+              </a:spcBef>
+              <a:spcAft>
+                <a:spcPts val="0"/>
+              </a:spcAft>
+              <a:buClrTx/>
+              <a:buSzTx/>
+              <a:buFontTx/>
+              <a:buNone/>
+              <a:tabLst/>
+              <a:defRPr/>
+            </a:pPr>
+            <a:r>
+              <a:rPr lang="de-CH" dirty="0" err="1"/>
+              <a:t>AlertState</a:t>
+            </a:r>
+            <a:r>
+              <a:rPr lang="de-CH" baseline="0" dirty="0"/>
+              <a:t> -&gt; für Kontrolle damit nur 1 Mail versendet wird. Muss zurückgesetzt werden. </a:t>
+            </a:r>
+          </a:p>
+          <a:p>
+            <a:endParaRPr lang="de-CH" dirty="0"/>
+          </a:p>
+        </p:txBody>
+      </p:sp>
+      <p:sp>
+        <p:nvSpPr>
+          <p:cNvPr id="4" name="Foliennummernplatzhalter 3"/>
+          <p:cNvSpPr>
+            <a:spLocks noGrp="1"/>
+          </p:cNvSpPr>
+          <p:nvPr>
+            <p:ph type="sldNum" sz="quarter" idx="10"/>
+          </p:nvPr>
+        </p:nvSpPr>
+        <p:spPr/>
+        <p:txBody>
+          <a:bodyPr/>
+          <a:lstStyle/>
+          <a:p>
+            <a:fld id="{E1D581C7-825C-4EFD-9323-5393369FB682}" type="slidenum">
+              <a:rPr lang="de-CH" smtClean="0"/>
+              <a:t>14</a:t>
+            </a:fld>
+            <a:endParaRPr lang="de-CH"/>
+          </a:p>
+        </p:txBody>
+      </p:sp>
+    </p:spTree>
+    <p:extLst>
+      <p:ext uri="{BB962C8B-B14F-4D97-AF65-F5344CB8AC3E}">
+        <p14:creationId xmlns:p14="http://schemas.microsoft.com/office/powerpoint/2010/main" val="1057586928"/>
+      </p:ext>
+    </p:extLst>
+  </p:cSld>
+  <p:clrMapOvr>
+    <a:masterClrMapping/>
+  </p:clrMapOvr>
+</p:notes>
 </file>
 
 <file path=ppt/slideLayouts/slideLayout1.xml><?xml version="1.0" encoding="utf-8"?>
@@ -5814,37 +6392,229 @@
             <a:spLocks noGrp="1"/>
           </p:cNvSpPr>
           <p:nvPr>
-            <p:ph type="ctrTitle"/>
+            <p:ph type="title"/>
           </p:nvPr>
         </p:nvSpPr>
         <p:spPr/>
         <p:txBody>
-          <a:bodyPr>
-            <a:normAutofit/>
-          </a:bodyPr>
-          <a:lstStyle/>
-          <a:p>
-            <a:r>
-              <a:rPr lang="de-CH" sz="7200" dirty="0"/>
-              <a:t>Temperatursensor Eigenbau</a:t>
-            </a:r>
-          </a:p>
-        </p:txBody>
-      </p:sp>
-      <p:sp>
-        <p:nvSpPr>
-          <p:cNvPr id="3" name="Untertitel 2"/>
-          <p:cNvSpPr>
-            <a:spLocks noGrp="1"/>
-          </p:cNvSpPr>
-          <p:nvPr>
-            <p:ph type="subTitle" idx="1"/>
+          <a:bodyPr/>
+          <a:lstStyle/>
+          <a:p>
+            <a:endParaRPr lang="de-CH"/>
+          </a:p>
+        </p:txBody>
+      </p:sp>
+      <p:sp>
+        <p:nvSpPr>
+          <p:cNvPr id="3" name="Inhaltsplatzhalter 2"/>
+          <p:cNvSpPr>
+            <a:spLocks noGrp="1"/>
+          </p:cNvSpPr>
+          <p:nvPr>
+            <p:ph idx="1"/>
           </p:nvPr>
         </p:nvSpPr>
         <p:spPr/>
         <p:txBody>
           <a:bodyPr/>
           <a:lstStyle/>
+          <a:p>
+            <a:endParaRPr lang="de-CH"/>
+          </a:p>
+        </p:txBody>
+      </p:sp>
+    </p:spTree>
+    <p:extLst>
+      <p:ext uri="{BB962C8B-B14F-4D97-AF65-F5344CB8AC3E}">
+        <p14:creationId xmlns:p14="http://schemas.microsoft.com/office/powerpoint/2010/main" val="3046172225"/>
+      </p:ext>
+    </p:extLst>
+  </p:cSld>
+  <p:clrMapOvr>
+    <a:masterClrMapping/>
+  </p:clrMapOvr>
+</p:sld>
+</file>
+
+<file path=ppt/slides/slide10.xml><?xml version="1.0" encoding="utf-8"?>
+<p:sld xmlns:a="http://schemas.openxmlformats.org/drawingml/2006/main" xmlns:r="http://schemas.openxmlformats.org/officeDocument/2006/relationships" xmlns:p="http://schemas.openxmlformats.org/presentationml/2006/main">
+  <p:cSld>
+    <p:spTree>
+      <p:nvGrpSpPr>
+        <p:cNvPr id="1" name=""/>
+        <p:cNvGrpSpPr/>
+        <p:nvPr/>
+      </p:nvGrpSpPr>
+      <p:grpSpPr>
+        <a:xfrm>
+          <a:off x="0" y="0"/>
+          <a:ext cx="0" cy="0"/>
+          <a:chOff x="0" y="0"/>
+          <a:chExt cx="0" cy="0"/>
+        </a:xfrm>
+      </p:grpSpPr>
+      <p:sp>
+        <p:nvSpPr>
+          <p:cNvPr id="2" name="Titel 1"/>
+          <p:cNvSpPr>
+            <a:spLocks noGrp="1"/>
+          </p:cNvSpPr>
+          <p:nvPr>
+            <p:ph type="title"/>
+          </p:nvPr>
+        </p:nvSpPr>
+        <p:spPr/>
+        <p:txBody>
+          <a:bodyPr/>
+          <a:lstStyle/>
+          <a:p>
+            <a:r>
+              <a:rPr lang="de-CH" dirty="0"/>
+              <a:t>Software</a:t>
+            </a:r>
+          </a:p>
+        </p:txBody>
+      </p:sp>
+      <p:sp>
+        <p:nvSpPr>
+          <p:cNvPr id="3" name="Inhaltsplatzhalter 2"/>
+          <p:cNvSpPr>
+            <a:spLocks noGrp="1"/>
+          </p:cNvSpPr>
+          <p:nvPr>
+            <p:ph idx="1"/>
+          </p:nvPr>
+        </p:nvSpPr>
+        <p:spPr/>
+        <p:txBody>
+          <a:bodyPr/>
+          <a:lstStyle/>
+          <a:p>
+            <a:r>
+              <a:rPr lang="de-CH" dirty="0"/>
+              <a:t>Observer-Pattern für die Sensoren</a:t>
+            </a:r>
+          </a:p>
+          <a:p>
+            <a:endParaRPr lang="de-CH" dirty="0"/>
+          </a:p>
+          <a:p>
+            <a:endParaRPr lang="de-CH" dirty="0"/>
+          </a:p>
+        </p:txBody>
+      </p:sp>
+      <p:pic>
+        <p:nvPicPr>
+          <p:cNvPr id="5" name="Grafik 4"/>
+          <p:cNvPicPr>
+            <a:picLocks noChangeAspect="1"/>
+          </p:cNvPicPr>
+          <p:nvPr/>
+        </p:nvPicPr>
+        <p:blipFill>
+          <a:blip r:embed="rId2"/>
+          <a:stretch>
+            <a:fillRect/>
+          </a:stretch>
+        </p:blipFill>
+        <p:spPr>
+          <a:xfrm>
+            <a:off x="2961983" y="2560356"/>
+            <a:ext cx="6437835" cy="3751544"/>
+          </a:xfrm>
+          <a:prstGeom prst="rect">
+            <a:avLst/>
+          </a:prstGeom>
+        </p:spPr>
+      </p:pic>
+    </p:spTree>
+    <p:extLst>
+      <p:ext uri="{BB962C8B-B14F-4D97-AF65-F5344CB8AC3E}">
+        <p14:creationId xmlns:p14="http://schemas.microsoft.com/office/powerpoint/2010/main" val="2449045853"/>
+      </p:ext>
+    </p:extLst>
+  </p:cSld>
+  <p:clrMapOvr>
+    <a:masterClrMapping/>
+  </p:clrMapOvr>
+</p:sld>
+</file>
+
+<file path=ppt/slides/slide11.xml><?xml version="1.0" encoding="utf-8"?>
+<p:sld xmlns:a="http://schemas.openxmlformats.org/drawingml/2006/main" xmlns:r="http://schemas.openxmlformats.org/officeDocument/2006/relationships" xmlns:p="http://schemas.openxmlformats.org/presentationml/2006/main">
+  <p:cSld>
+    <p:spTree>
+      <p:nvGrpSpPr>
+        <p:cNvPr id="1" name=""/>
+        <p:cNvGrpSpPr/>
+        <p:nvPr/>
+      </p:nvGrpSpPr>
+      <p:grpSpPr>
+        <a:xfrm>
+          <a:off x="0" y="0"/>
+          <a:ext cx="0" cy="0"/>
+          <a:chOff x="0" y="0"/>
+          <a:chExt cx="0" cy="0"/>
+        </a:xfrm>
+      </p:grpSpPr>
+      <p:sp>
+        <p:nvSpPr>
+          <p:cNvPr id="2" name="Titel 1"/>
+          <p:cNvSpPr>
+            <a:spLocks noGrp="1"/>
+          </p:cNvSpPr>
+          <p:nvPr>
+            <p:ph type="title"/>
+          </p:nvPr>
+        </p:nvSpPr>
+        <p:spPr/>
+        <p:txBody>
+          <a:bodyPr/>
+          <a:lstStyle/>
+          <a:p>
+            <a:r>
+              <a:rPr lang="de-CH" dirty="0"/>
+              <a:t>Software</a:t>
+            </a:r>
+          </a:p>
+        </p:txBody>
+      </p:sp>
+      <p:sp>
+        <p:nvSpPr>
+          <p:cNvPr id="3" name="Inhaltsplatzhalter 2"/>
+          <p:cNvSpPr>
+            <a:spLocks noGrp="1"/>
+          </p:cNvSpPr>
+          <p:nvPr>
+            <p:ph idx="1"/>
+          </p:nvPr>
+        </p:nvSpPr>
+        <p:spPr/>
+        <p:txBody>
+          <a:bodyPr/>
+          <a:lstStyle/>
+          <a:p>
+            <a:r>
+              <a:rPr lang="de-CH" dirty="0"/>
+              <a:t>Singleton-Pattern für </a:t>
+            </a:r>
+            <a:r>
+              <a:rPr lang="de-CH" dirty="0" err="1"/>
+              <a:t>RawDigitalValueServer</a:t>
+            </a:r>
+            <a:r>
+              <a:rPr lang="de-CH" dirty="0"/>
+              <a:t> &amp; </a:t>
+            </a:r>
+            <a:r>
+              <a:rPr lang="de-CH" dirty="0" err="1"/>
+              <a:t>LogMsgWriter</a:t>
+            </a:r>
+            <a:endParaRPr lang="de-CH" dirty="0"/>
+          </a:p>
+          <a:p>
+            <a:endParaRPr lang="de-CH" dirty="0"/>
+          </a:p>
           <a:p>
             <a:endParaRPr lang="de-CH" dirty="0"/>
           </a:p>
@@ -5866,8 +6636,1027 @@
         </p:blipFill>
         <p:spPr>
           <a:xfrm>
-            <a:off x="8685894" y="707964"/>
-            <a:ext cx="2563602" cy="1706121"/>
+            <a:off x="7069683" y="3239319"/>
+            <a:ext cx="4156173" cy="1865614"/>
+          </a:xfrm>
+          <a:prstGeom prst="rect">
+            <a:avLst/>
+          </a:prstGeom>
+        </p:spPr>
+      </p:pic>
+      <p:pic>
+        <p:nvPicPr>
+          <p:cNvPr id="5" name="Grafik 4"/>
+          <p:cNvPicPr>
+            <a:picLocks noChangeAspect="1"/>
+          </p:cNvPicPr>
+          <p:nvPr/>
+        </p:nvPicPr>
+        <p:blipFill>
+          <a:blip r:embed="rId3"/>
+          <a:stretch>
+            <a:fillRect/>
+          </a:stretch>
+        </p:blipFill>
+        <p:spPr>
+          <a:xfrm>
+            <a:off x="1431112" y="3239319"/>
+            <a:ext cx="4805788" cy="2028298"/>
+          </a:xfrm>
+          <a:prstGeom prst="rect">
+            <a:avLst/>
+          </a:prstGeom>
+        </p:spPr>
+      </p:pic>
+    </p:spTree>
+    <p:extLst>
+      <p:ext uri="{BB962C8B-B14F-4D97-AF65-F5344CB8AC3E}">
+        <p14:creationId xmlns:p14="http://schemas.microsoft.com/office/powerpoint/2010/main" val="3868023547"/>
+      </p:ext>
+    </p:extLst>
+  </p:cSld>
+  <p:clrMapOvr>
+    <a:masterClrMapping/>
+  </p:clrMapOvr>
+</p:sld>
+</file>
+
+<file path=ppt/slides/slide12.xml><?xml version="1.0" encoding="utf-8"?>
+<p:sld xmlns:a="http://schemas.openxmlformats.org/drawingml/2006/main" xmlns:r="http://schemas.openxmlformats.org/officeDocument/2006/relationships" xmlns:p="http://schemas.openxmlformats.org/presentationml/2006/main">
+  <p:cSld>
+    <p:spTree>
+      <p:nvGrpSpPr>
+        <p:cNvPr id="1" name=""/>
+        <p:cNvGrpSpPr/>
+        <p:nvPr/>
+      </p:nvGrpSpPr>
+      <p:grpSpPr>
+        <a:xfrm>
+          <a:off x="0" y="0"/>
+          <a:ext cx="0" cy="0"/>
+          <a:chOff x="0" y="0"/>
+          <a:chExt cx="0" cy="0"/>
+        </a:xfrm>
+      </p:grpSpPr>
+      <p:sp>
+        <p:nvSpPr>
+          <p:cNvPr id="2" name="Titel 1"/>
+          <p:cNvSpPr>
+            <a:spLocks noGrp="1"/>
+          </p:cNvSpPr>
+          <p:nvPr>
+            <p:ph type="title"/>
+          </p:nvPr>
+        </p:nvSpPr>
+        <p:spPr/>
+        <p:txBody>
+          <a:bodyPr/>
+          <a:lstStyle/>
+          <a:p>
+            <a:r>
+              <a:rPr lang="de-CH" dirty="0"/>
+              <a:t>Software</a:t>
+            </a:r>
+          </a:p>
+        </p:txBody>
+      </p:sp>
+      <p:pic>
+        <p:nvPicPr>
+          <p:cNvPr id="6" name="Inhaltsplatzhalter 5"/>
+          <p:cNvPicPr>
+            <a:picLocks noGrp="1" noChangeAspect="1"/>
+          </p:cNvPicPr>
+          <p:nvPr>
+            <p:ph idx="1"/>
+          </p:nvPr>
+        </p:nvPicPr>
+        <p:blipFill>
+          <a:blip r:embed="rId2"/>
+          <a:stretch>
+            <a:fillRect/>
+          </a:stretch>
+        </p:blipFill>
+        <p:spPr>
+          <a:xfrm>
+            <a:off x="1170621" y="2826691"/>
+            <a:ext cx="10133333" cy="2349206"/>
+          </a:xfrm>
+        </p:spPr>
+      </p:pic>
+    </p:spTree>
+    <p:extLst>
+      <p:ext uri="{BB962C8B-B14F-4D97-AF65-F5344CB8AC3E}">
+        <p14:creationId xmlns:p14="http://schemas.microsoft.com/office/powerpoint/2010/main" val="1816065755"/>
+      </p:ext>
+    </p:extLst>
+  </p:cSld>
+  <p:clrMapOvr>
+    <a:masterClrMapping/>
+  </p:clrMapOvr>
+</p:sld>
+</file>
+
+<file path=ppt/slides/slide13.xml><?xml version="1.0" encoding="utf-8"?>
+<p:sld xmlns:a="http://schemas.openxmlformats.org/drawingml/2006/main" xmlns:r="http://schemas.openxmlformats.org/officeDocument/2006/relationships" xmlns:p="http://schemas.openxmlformats.org/presentationml/2006/main">
+  <p:cSld>
+    <p:spTree>
+      <p:nvGrpSpPr>
+        <p:cNvPr id="1" name=""/>
+        <p:cNvGrpSpPr/>
+        <p:nvPr/>
+      </p:nvGrpSpPr>
+      <p:grpSpPr>
+        <a:xfrm>
+          <a:off x="0" y="0"/>
+          <a:ext cx="0" cy="0"/>
+          <a:chOff x="0" y="0"/>
+          <a:chExt cx="0" cy="0"/>
+        </a:xfrm>
+      </p:grpSpPr>
+      <p:sp>
+        <p:nvSpPr>
+          <p:cNvPr id="2" name="Titel 1"/>
+          <p:cNvSpPr>
+            <a:spLocks noGrp="1"/>
+          </p:cNvSpPr>
+          <p:nvPr>
+            <p:ph type="title"/>
+          </p:nvPr>
+        </p:nvSpPr>
+        <p:spPr/>
+        <p:txBody>
+          <a:bodyPr/>
+          <a:lstStyle/>
+          <a:p>
+            <a:r>
+              <a:rPr lang="de-CH" dirty="0"/>
+              <a:t>Software</a:t>
+            </a:r>
+          </a:p>
+        </p:txBody>
+      </p:sp>
+      <p:pic>
+        <p:nvPicPr>
+          <p:cNvPr id="4" name="Inhaltsplatzhalter 3"/>
+          <p:cNvPicPr>
+            <a:picLocks noGrp="1" noChangeAspect="1"/>
+          </p:cNvPicPr>
+          <p:nvPr>
+            <p:ph idx="1"/>
+          </p:nvPr>
+        </p:nvPicPr>
+        <p:blipFill>
+          <a:blip r:embed="rId2"/>
+          <a:stretch>
+            <a:fillRect/>
+          </a:stretch>
+        </p:blipFill>
+        <p:spPr>
+          <a:xfrm>
+            <a:off x="1964272" y="2591770"/>
+            <a:ext cx="8546031" cy="2819048"/>
+          </a:xfrm>
+        </p:spPr>
+      </p:pic>
+    </p:spTree>
+    <p:extLst>
+      <p:ext uri="{BB962C8B-B14F-4D97-AF65-F5344CB8AC3E}">
+        <p14:creationId xmlns:p14="http://schemas.microsoft.com/office/powerpoint/2010/main" val="1629757089"/>
+      </p:ext>
+    </p:extLst>
+  </p:cSld>
+  <p:clrMapOvr>
+    <a:masterClrMapping/>
+  </p:clrMapOvr>
+</p:sld>
+</file>
+
+<file path=ppt/slides/slide14.xml><?xml version="1.0" encoding="utf-8"?>
+<p:sld xmlns:a="http://schemas.openxmlformats.org/drawingml/2006/main" xmlns:r="http://schemas.openxmlformats.org/officeDocument/2006/relationships" xmlns:p="http://schemas.openxmlformats.org/presentationml/2006/main">
+  <p:cSld>
+    <p:spTree>
+      <p:nvGrpSpPr>
+        <p:cNvPr id="1" name=""/>
+        <p:cNvGrpSpPr/>
+        <p:nvPr/>
+      </p:nvGrpSpPr>
+      <p:grpSpPr>
+        <a:xfrm>
+          <a:off x="0" y="0"/>
+          <a:ext cx="0" cy="0"/>
+          <a:chOff x="0" y="0"/>
+          <a:chExt cx="0" cy="0"/>
+        </a:xfrm>
+      </p:grpSpPr>
+      <p:sp>
+        <p:nvSpPr>
+          <p:cNvPr id="11" name="Rectangle 10"/>
+          <p:cNvSpPr>
+            <a:spLocks noGrp="1" noRot="1" noChangeAspect="1" noMove="1" noResize="1" noEditPoints="1" noAdjustHandles="1" noChangeArrowheads="1" noChangeShapeType="1" noTextEdit="1"/>
+          </p:cNvSpPr>
+          <p:nvPr>
+            <p:extLst>
+              <p:ext uri="{386F3935-93C4-4BCD-93E2-E3B085C9AB24}">
+                <p16:designElem xmlns:p16="http://schemas.microsoft.com/office/powerpoint/2015/main" val="1"/>
+              </p:ext>
+            </p:extLst>
+          </p:nvPr>
+        </p:nvSpPr>
+        <p:spPr>
+          <a:xfrm>
+            <a:off x="0" y="0"/>
+            <a:ext cx="12191999" cy="6858000"/>
+          </a:xfrm>
+          <a:prstGeom prst="rect">
+            <a:avLst/>
+          </a:prstGeom>
+          <a:blipFill>
+            <a:blip r:embed="rId3"/>
+            <a:stretch>
+              <a:fillRect/>
+            </a:stretch>
+          </a:blipFill>
+          <a:ln>
+            <a:noFill/>
+          </a:ln>
+          <a:effectLst/>
+        </p:spPr>
+        <p:style>
+          <a:lnRef idx="2">
+            <a:schemeClr val="accent1">
+              <a:shade val="50000"/>
+            </a:schemeClr>
+          </a:lnRef>
+          <a:fillRef idx="1">
+            <a:schemeClr val="accent1"/>
+          </a:fillRef>
+          <a:effectRef idx="0">
+            <a:schemeClr val="accent1"/>
+          </a:effectRef>
+          <a:fontRef idx="minor">
+            <a:schemeClr val="lt1"/>
+          </a:fontRef>
+        </p:style>
+        <p:txBody>
+          <a:bodyPr rtlCol="0" anchor="ctr"/>
+          <a:lstStyle/>
+          <a:p>
+            <a:pPr algn="ctr"/>
+            <a:endParaRPr lang="en-US"/>
+          </a:p>
+        </p:txBody>
+      </p:sp>
+      <p:sp>
+        <p:nvSpPr>
+          <p:cNvPr id="13" name="Rounded Rectangle 17"/>
+          <p:cNvSpPr>
+            <a:spLocks noGrp="1" noRot="1" noChangeAspect="1" noMove="1" noResize="1" noEditPoints="1" noAdjustHandles="1" noChangeArrowheads="1" noChangeShapeType="1" noTextEdit="1"/>
+          </p:cNvSpPr>
+          <p:nvPr>
+            <p:extLst>
+              <p:ext uri="{386F3935-93C4-4BCD-93E2-E3B085C9AB24}">
+                <p16:designElem xmlns:p16="http://schemas.microsoft.com/office/powerpoint/2015/main" val="1"/>
+              </p:ext>
+            </p:extLst>
+          </p:nvPr>
+        </p:nvSpPr>
+        <p:spPr>
+          <a:xfrm>
+            <a:off x="838200" y="1948070"/>
+            <a:ext cx="4773166" cy="3896140"/>
+          </a:xfrm>
+          <a:prstGeom prst="roundRect">
+            <a:avLst>
+              <a:gd name="adj" fmla="val 2028"/>
+            </a:avLst>
+          </a:prstGeom>
+          <a:solidFill>
+            <a:schemeClr val="bg1"/>
+          </a:solidFill>
+          <a:ln>
+            <a:noFill/>
+          </a:ln>
+          <a:effectLst>
+            <a:innerShdw blurRad="127000" dist="12700">
+              <a:prstClr val="black"/>
+            </a:innerShdw>
+            <a:reflection blurRad="6350" stA="52000" endA="300" endPos="20000" dir="5400000" sy="-100000" algn="bl" rotWithShape="0"/>
+          </a:effectLst>
+        </p:spPr>
+        <p:style>
+          <a:lnRef idx="2">
+            <a:schemeClr val="accent1">
+              <a:shade val="50000"/>
+            </a:schemeClr>
+          </a:lnRef>
+          <a:fillRef idx="1">
+            <a:schemeClr val="accent1"/>
+          </a:fillRef>
+          <a:effectRef idx="0">
+            <a:schemeClr val="accent1"/>
+          </a:effectRef>
+          <a:fontRef idx="minor">
+            <a:schemeClr val="lt1"/>
+          </a:fontRef>
+        </p:style>
+        <p:txBody>
+          <a:bodyPr rtlCol="0" anchor="ctr"/>
+          <a:lstStyle/>
+          <a:p>
+            <a:pPr algn="ctr"/>
+            <a:endParaRPr lang="en-US"/>
+          </a:p>
+        </p:txBody>
+      </p:sp>
+      <p:pic>
+        <p:nvPicPr>
+          <p:cNvPr id="6" name="Grafik 5"/>
+          <p:cNvPicPr>
+            <a:picLocks noChangeAspect="1"/>
+          </p:cNvPicPr>
+          <p:nvPr/>
+        </p:nvPicPr>
+        <p:blipFill>
+          <a:blip r:embed="rId4"/>
+          <a:stretch>
+            <a:fillRect/>
+          </a:stretch>
+        </p:blipFill>
+        <p:spPr>
+          <a:xfrm>
+            <a:off x="1131172" y="2681846"/>
+            <a:ext cx="4187222" cy="2428588"/>
+          </a:xfrm>
+          <a:prstGeom prst="rect">
+            <a:avLst/>
+          </a:prstGeom>
+        </p:spPr>
+      </p:pic>
+      <p:sp>
+        <p:nvSpPr>
+          <p:cNvPr id="2" name="Titel 1"/>
+          <p:cNvSpPr>
+            <a:spLocks noGrp="1"/>
+          </p:cNvSpPr>
+          <p:nvPr>
+            <p:ph type="title"/>
+          </p:nvPr>
+        </p:nvSpPr>
+        <p:spPr/>
+        <p:txBody>
+          <a:bodyPr>
+            <a:normAutofit/>
+          </a:bodyPr>
+          <a:lstStyle/>
+          <a:p>
+            <a:r>
+              <a:rPr lang="de-CH" dirty="0">
+                <a:gradFill flip="none" rotWithShape="1">
+                  <a:gsLst>
+                    <a:gs pos="28000">
+                      <a:srgbClr val="EDEDED"/>
+                    </a:gs>
+                    <a:gs pos="0">
+                      <a:srgbClr val="BFBFBF"/>
+                    </a:gs>
+                    <a:gs pos="100000">
+                      <a:srgbClr val="FFFFFF"/>
+                    </a:gs>
+                  </a:gsLst>
+                  <a:lin ang="4800000" scaled="0"/>
+                  <a:tileRect/>
+                </a:gradFill>
+              </a:rPr>
+              <a:t>XML-File</a:t>
+            </a:r>
+          </a:p>
+        </p:txBody>
+      </p:sp>
+      <p:sp>
+        <p:nvSpPr>
+          <p:cNvPr id="5" name="Inhaltsplatzhalter 4"/>
+          <p:cNvSpPr>
+            <a:spLocks noGrp="1"/>
+          </p:cNvSpPr>
+          <p:nvPr>
+            <p:ph idx="1"/>
+          </p:nvPr>
+        </p:nvSpPr>
+        <p:spPr>
+          <a:xfrm>
+            <a:off x="6096000" y="1948069"/>
+            <a:ext cx="5257799" cy="4228893"/>
+          </a:xfrm>
+        </p:spPr>
+        <p:txBody>
+          <a:bodyPr>
+            <a:normAutofit/>
+          </a:bodyPr>
+          <a:lstStyle/>
+          <a:p>
+            <a:endParaRPr lang="de-CH" dirty="0">
+              <a:gradFill>
+                <a:gsLst>
+                  <a:gs pos="34000">
+                    <a:srgbClr val="EDEDED"/>
+                  </a:gs>
+                  <a:gs pos="0">
+                    <a:srgbClr val="BFBFBF"/>
+                  </a:gs>
+                  <a:gs pos="100000">
+                    <a:srgbClr val="FFFFFF"/>
+                  </a:gs>
+                </a:gsLst>
+                <a:lin ang="4800000" scaled="0"/>
+              </a:gradFill>
+            </a:endParaRPr>
+          </a:p>
+          <a:p>
+            <a:r>
+              <a:rPr lang="de-CH" dirty="0">
+                <a:gradFill>
+                  <a:gsLst>
+                    <a:gs pos="34000">
+                      <a:srgbClr val="EDEDED"/>
+                    </a:gs>
+                    <a:gs pos="0">
+                      <a:srgbClr val="BFBFBF"/>
+                    </a:gs>
+                    <a:gs pos="100000">
+                      <a:srgbClr val="FFFFFF"/>
+                    </a:gs>
+                  </a:gsLst>
+                  <a:lin ang="4800000" scaled="0"/>
+                </a:gradFill>
+              </a:rPr>
+              <a:t>Sensoren &amp; Temperatur</a:t>
+            </a:r>
+          </a:p>
+          <a:p>
+            <a:endParaRPr lang="de-CH" dirty="0">
+              <a:gradFill>
+                <a:gsLst>
+                  <a:gs pos="34000">
+                    <a:srgbClr val="EDEDED"/>
+                  </a:gs>
+                  <a:gs pos="0">
+                    <a:srgbClr val="BFBFBF"/>
+                  </a:gs>
+                  <a:gs pos="100000">
+                    <a:srgbClr val="FFFFFF"/>
+                  </a:gs>
+                </a:gsLst>
+                <a:lin ang="4800000" scaled="0"/>
+              </a:gradFill>
+            </a:endParaRPr>
+          </a:p>
+          <a:p>
+            <a:r>
+              <a:rPr lang="de-CH" dirty="0">
+                <a:gradFill>
+                  <a:gsLst>
+                    <a:gs pos="34000">
+                      <a:srgbClr val="EDEDED"/>
+                    </a:gs>
+                    <a:gs pos="0">
+                      <a:srgbClr val="BFBFBF"/>
+                    </a:gs>
+                    <a:gs pos="100000">
+                      <a:srgbClr val="FFFFFF"/>
+                    </a:gs>
+                  </a:gsLst>
+                  <a:lin ang="4800000" scaled="0"/>
+                </a:gradFill>
+              </a:rPr>
+              <a:t>Email-Einstellungen</a:t>
+            </a:r>
+          </a:p>
+          <a:p>
+            <a:endParaRPr lang="de-CH" dirty="0">
+              <a:gradFill>
+                <a:gsLst>
+                  <a:gs pos="34000">
+                    <a:srgbClr val="EDEDED"/>
+                  </a:gs>
+                  <a:gs pos="0">
+                    <a:srgbClr val="BFBFBF"/>
+                  </a:gs>
+                  <a:gs pos="100000">
+                    <a:srgbClr val="FFFFFF"/>
+                  </a:gs>
+                </a:gsLst>
+                <a:lin ang="4800000" scaled="0"/>
+              </a:gradFill>
+            </a:endParaRPr>
+          </a:p>
+          <a:p>
+            <a:r>
+              <a:rPr lang="de-CH" dirty="0">
+                <a:gradFill>
+                  <a:gsLst>
+                    <a:gs pos="34000">
+                      <a:srgbClr val="EDEDED"/>
+                    </a:gs>
+                    <a:gs pos="0">
+                      <a:srgbClr val="BFBFBF"/>
+                    </a:gs>
+                    <a:gs pos="100000">
+                      <a:srgbClr val="FFFFFF"/>
+                    </a:gs>
+                  </a:gsLst>
+                  <a:lin ang="4800000" scaled="0"/>
+                </a:gradFill>
+              </a:rPr>
+              <a:t>Alarmzustand</a:t>
+            </a:r>
+          </a:p>
+          <a:p>
+            <a:pPr marL="0" indent="0">
+              <a:buNone/>
+            </a:pPr>
+            <a:endParaRPr lang="de-CH" dirty="0">
+              <a:gradFill>
+                <a:gsLst>
+                  <a:gs pos="34000">
+                    <a:srgbClr val="EDEDED"/>
+                  </a:gs>
+                  <a:gs pos="0">
+                    <a:srgbClr val="BFBFBF"/>
+                  </a:gs>
+                  <a:gs pos="100000">
+                    <a:srgbClr val="FFFFFF"/>
+                  </a:gs>
+                </a:gsLst>
+                <a:lin ang="4800000" scaled="0"/>
+              </a:gradFill>
+            </a:endParaRPr>
+          </a:p>
+        </p:txBody>
+      </p:sp>
+    </p:spTree>
+    <p:extLst>
+      <p:ext uri="{BB962C8B-B14F-4D97-AF65-F5344CB8AC3E}">
+        <p14:creationId xmlns:p14="http://schemas.microsoft.com/office/powerpoint/2010/main" val="1888100657"/>
+      </p:ext>
+    </p:extLst>
+  </p:cSld>
+  <p:clrMapOvr>
+    <a:overrideClrMapping bg1="lt1" tx1="dk1" bg2="lt2" tx2="dk2" accent1="accent1" accent2="accent2" accent3="accent3" accent4="accent4" accent5="accent5" accent6="accent6" hlink="hlink" folHlink="folHlink"/>
+  </p:clrMapOvr>
+</p:sld>
+</file>
+
+<file path=ppt/slides/slide15.xml><?xml version="1.0" encoding="utf-8"?>
+<p:sld xmlns:a="http://schemas.openxmlformats.org/drawingml/2006/main" xmlns:r="http://schemas.openxmlformats.org/officeDocument/2006/relationships" xmlns:p="http://schemas.openxmlformats.org/presentationml/2006/main">
+  <p:cSld>
+    <p:spTree>
+      <p:nvGrpSpPr>
+        <p:cNvPr id="1" name=""/>
+        <p:cNvGrpSpPr/>
+        <p:nvPr/>
+      </p:nvGrpSpPr>
+      <p:grpSpPr>
+        <a:xfrm>
+          <a:off x="0" y="0"/>
+          <a:ext cx="0" cy="0"/>
+          <a:chOff x="0" y="0"/>
+          <a:chExt cx="0" cy="0"/>
+        </a:xfrm>
+      </p:grpSpPr>
+      <p:sp>
+        <p:nvSpPr>
+          <p:cNvPr id="15" name="Rounded Rectangle 17"/>
+          <p:cNvSpPr>
+            <a:spLocks noGrp="1" noRot="1" noChangeAspect="1" noMove="1" noResize="1" noEditPoints="1" noAdjustHandles="1" noChangeArrowheads="1" noChangeShapeType="1" noTextEdit="1"/>
+          </p:cNvSpPr>
+          <p:nvPr>
+            <p:extLst>
+              <p:ext uri="{386F3935-93C4-4BCD-93E2-E3B085C9AB24}">
+                <p16:designElem xmlns:p16="http://schemas.microsoft.com/office/powerpoint/2015/main" val="1"/>
+              </p:ext>
+            </p:extLst>
+          </p:nvPr>
+        </p:nvSpPr>
+        <p:spPr>
+          <a:xfrm>
+            <a:off x="838200" y="1948070"/>
+            <a:ext cx="4773166" cy="3896140"/>
+          </a:xfrm>
+          <a:prstGeom prst="roundRect">
+            <a:avLst>
+              <a:gd name="adj" fmla="val 2028"/>
+            </a:avLst>
+          </a:prstGeom>
+          <a:solidFill>
+            <a:schemeClr val="tx1"/>
+          </a:solidFill>
+          <a:ln>
+            <a:solidFill>
+              <a:schemeClr val="accent1">
+                <a:shade val="50000"/>
+              </a:schemeClr>
+            </a:solidFill>
+          </a:ln>
+          <a:effectLst>
+            <a:innerShdw blurRad="127000" dist="12700">
+              <a:prstClr val="black"/>
+            </a:innerShdw>
+            <a:reflection blurRad="6350" stA="52000" endA="300" endPos="20000" dir="5400000" sy="-100000" algn="bl" rotWithShape="0"/>
+          </a:effectLst>
+        </p:spPr>
+        <p:style>
+          <a:lnRef idx="2">
+            <a:schemeClr val="accent1">
+              <a:shade val="50000"/>
+            </a:schemeClr>
+          </a:lnRef>
+          <a:fillRef idx="1">
+            <a:schemeClr val="accent1"/>
+          </a:fillRef>
+          <a:effectRef idx="0">
+            <a:schemeClr val="accent1"/>
+          </a:effectRef>
+          <a:fontRef idx="minor">
+            <a:schemeClr val="lt1"/>
+          </a:fontRef>
+        </p:style>
+        <p:txBody>
+          <a:bodyPr rtlCol="0" anchor="ctr"/>
+          <a:lstStyle/>
+          <a:p>
+            <a:pPr algn="ctr"/>
+            <a:endParaRPr lang="en-US"/>
+          </a:p>
+        </p:txBody>
+      </p:sp>
+      <p:pic>
+        <p:nvPicPr>
+          <p:cNvPr id="6" name="Inhaltsplatzhalter 3"/>
+          <p:cNvPicPr>
+            <a:picLocks noChangeAspect="1"/>
+          </p:cNvPicPr>
+          <p:nvPr/>
+        </p:nvPicPr>
+        <p:blipFill rotWithShape="1">
+          <a:blip r:embed="rId2"/>
+          <a:srcRect l="7409" r="2" b="2"/>
+          <a:stretch/>
+        </p:blipFill>
+        <p:spPr>
+          <a:xfrm>
+            <a:off x="1131172" y="2268111"/>
+            <a:ext cx="4187222" cy="3256059"/>
+          </a:xfrm>
+          <a:prstGeom prst="rect">
+            <a:avLst/>
+          </a:prstGeom>
+        </p:spPr>
+      </p:pic>
+      <p:sp>
+        <p:nvSpPr>
+          <p:cNvPr id="2" name="Titel 1"/>
+          <p:cNvSpPr>
+            <a:spLocks noGrp="1"/>
+          </p:cNvSpPr>
+          <p:nvPr>
+            <p:ph type="title"/>
+          </p:nvPr>
+        </p:nvSpPr>
+        <p:spPr>
+          <a:xfrm>
+            <a:off x="838200" y="365125"/>
+            <a:ext cx="10515600" cy="1325563"/>
+          </a:xfrm>
+        </p:spPr>
+        <p:txBody>
+          <a:bodyPr>
+            <a:normAutofit/>
+          </a:bodyPr>
+          <a:lstStyle/>
+          <a:p>
+            <a:r>
+              <a:rPr lang="de-CH" dirty="0"/>
+              <a:t>Webausgabe</a:t>
+            </a:r>
+          </a:p>
+        </p:txBody>
+      </p:sp>
+      <p:sp>
+        <p:nvSpPr>
+          <p:cNvPr id="3" name="Inhaltsplatzhalter 2"/>
+          <p:cNvSpPr>
+            <a:spLocks noGrp="1"/>
+          </p:cNvSpPr>
+          <p:nvPr>
+            <p:ph idx="1"/>
+          </p:nvPr>
+        </p:nvSpPr>
+        <p:spPr>
+          <a:xfrm>
+            <a:off x="6096000" y="1948069"/>
+            <a:ext cx="5257799" cy="4228893"/>
+          </a:xfrm>
+        </p:spPr>
+        <p:txBody>
+          <a:bodyPr>
+            <a:normAutofit/>
+          </a:bodyPr>
+          <a:lstStyle/>
+          <a:p>
+            <a:endParaRPr lang="de-CH" dirty="0"/>
+          </a:p>
+          <a:p>
+            <a:r>
+              <a:rPr lang="de-CH" dirty="0"/>
+              <a:t>Temperaturanzeige</a:t>
+            </a:r>
+          </a:p>
+          <a:p>
+            <a:r>
+              <a:rPr lang="de-CH" dirty="0"/>
+              <a:t>Refresh</a:t>
+            </a:r>
+          </a:p>
+          <a:p>
+            <a:r>
+              <a:rPr lang="de-CH" dirty="0"/>
+              <a:t>Farbänderung</a:t>
+            </a:r>
+          </a:p>
+          <a:p>
+            <a:r>
+              <a:rPr lang="de-CH" dirty="0"/>
+              <a:t>Aktiv / Inaktiv</a:t>
+            </a:r>
+          </a:p>
+          <a:p>
+            <a:endParaRPr lang="de-CH" dirty="0"/>
+          </a:p>
+        </p:txBody>
+      </p:sp>
+    </p:spTree>
+    <p:extLst>
+      <p:ext uri="{BB962C8B-B14F-4D97-AF65-F5344CB8AC3E}">
+        <p14:creationId xmlns:p14="http://schemas.microsoft.com/office/powerpoint/2010/main" val="2382723501"/>
+      </p:ext>
+    </p:extLst>
+  </p:cSld>
+  <p:clrMapOvr>
+    <a:masterClrMapping/>
+  </p:clrMapOvr>
+</p:sld>
+</file>
+
+<file path=ppt/slides/slide16.xml><?xml version="1.0" encoding="utf-8"?>
+<p:sld xmlns:a="http://schemas.openxmlformats.org/drawingml/2006/main" xmlns:r="http://schemas.openxmlformats.org/officeDocument/2006/relationships" xmlns:p="http://schemas.openxmlformats.org/presentationml/2006/main">
+  <p:cSld>
+    <p:spTree>
+      <p:nvGrpSpPr>
+        <p:cNvPr id="1" name=""/>
+        <p:cNvGrpSpPr/>
+        <p:nvPr/>
+      </p:nvGrpSpPr>
+      <p:grpSpPr>
+        <a:xfrm>
+          <a:off x="0" y="0"/>
+          <a:ext cx="0" cy="0"/>
+          <a:chOff x="0" y="0"/>
+          <a:chExt cx="0" cy="0"/>
+        </a:xfrm>
+      </p:grpSpPr>
+      <p:sp>
+        <p:nvSpPr>
+          <p:cNvPr id="2" name="Titel 1"/>
+          <p:cNvSpPr>
+            <a:spLocks noGrp="1"/>
+          </p:cNvSpPr>
+          <p:nvPr>
+            <p:ph type="title"/>
+          </p:nvPr>
+        </p:nvSpPr>
+        <p:spPr/>
+        <p:txBody>
+          <a:bodyPr/>
+          <a:lstStyle/>
+          <a:p>
+            <a:endParaRPr lang="de-CH" dirty="0"/>
+          </a:p>
+        </p:txBody>
+      </p:sp>
+      <p:sp>
+        <p:nvSpPr>
+          <p:cNvPr id="3" name="Inhaltsplatzhalter 2"/>
+          <p:cNvSpPr>
+            <a:spLocks noGrp="1"/>
+          </p:cNvSpPr>
+          <p:nvPr>
+            <p:ph idx="1"/>
+          </p:nvPr>
+        </p:nvSpPr>
+        <p:spPr/>
+        <p:txBody>
+          <a:bodyPr>
+            <a:normAutofit/>
+          </a:bodyPr>
+          <a:lstStyle/>
+          <a:p>
+            <a:pPr marL="0" indent="0" algn="ctr">
+              <a:buNone/>
+            </a:pPr>
+            <a:r>
+              <a:rPr lang="de-CH" sz="8800" dirty="0"/>
+              <a:t>Live-Demo</a:t>
+            </a:r>
+            <a:endParaRPr lang="de-CH" sz="8800" dirty="0"/>
+          </a:p>
+        </p:txBody>
+      </p:sp>
+    </p:spTree>
+    <p:extLst>
+      <p:ext uri="{BB962C8B-B14F-4D97-AF65-F5344CB8AC3E}">
+        <p14:creationId xmlns:p14="http://schemas.microsoft.com/office/powerpoint/2010/main" val="2648717026"/>
+      </p:ext>
+    </p:extLst>
+  </p:cSld>
+  <p:clrMapOvr>
+    <a:masterClrMapping/>
+  </p:clrMapOvr>
+</p:sld>
+</file>
+
+<file path=ppt/slides/slide2.xml><?xml version="1.0" encoding="utf-8"?>
+<p:sld xmlns:a="http://schemas.openxmlformats.org/drawingml/2006/main" xmlns:r="http://schemas.openxmlformats.org/officeDocument/2006/relationships" xmlns:p="http://schemas.openxmlformats.org/presentationml/2006/main">
+  <p:cSld>
+    <p:spTree>
+      <p:nvGrpSpPr>
+        <p:cNvPr id="1" name=""/>
+        <p:cNvGrpSpPr/>
+        <p:nvPr/>
+      </p:nvGrpSpPr>
+      <p:grpSpPr>
+        <a:xfrm>
+          <a:off x="0" y="0"/>
+          <a:ext cx="0" cy="0"/>
+          <a:chOff x="0" y="0"/>
+          <a:chExt cx="0" cy="0"/>
+        </a:xfrm>
+      </p:grpSpPr>
+      <p:sp>
+        <p:nvSpPr>
+          <p:cNvPr id="9" name="Rectangle 8"/>
+          <p:cNvSpPr>
+            <a:spLocks noGrp="1" noRot="1" noChangeAspect="1" noMove="1" noResize="1" noEditPoints="1" noAdjustHandles="1" noChangeArrowheads="1" noChangeShapeType="1" noTextEdit="1"/>
+          </p:cNvSpPr>
+          <p:nvPr>
+            <p:extLst>
+              <p:ext uri="{386F3935-93C4-4BCD-93E2-E3B085C9AB24}">
+                <p16:designElem xmlns:p16="http://schemas.microsoft.com/office/powerpoint/2015/main" val="1"/>
+              </p:ext>
+            </p:extLst>
+          </p:nvPr>
+        </p:nvSpPr>
+        <p:spPr bwMode="white">
+          <a:xfrm>
+            <a:off x="0" y="0"/>
+            <a:ext cx="12192000" cy="6858000"/>
+          </a:xfrm>
+          <a:prstGeom prst="rect">
+            <a:avLst/>
+          </a:prstGeom>
+          <a:blipFill dpi="0" rotWithShape="1">
+            <a:blip r:embed="rId2">
+              <a:lum/>
+            </a:blip>
+            <a:srcRect/>
+            <a:stretch>
+              <a:fillRect/>
+            </a:stretch>
+          </a:blipFill>
+          <a:effectLst/>
+        </p:spPr>
+      </p:sp>
+      <p:pic>
+        <p:nvPicPr>
+          <p:cNvPr id="6" name="Inhaltsplatzhalter 5"/>
+          <p:cNvPicPr>
+            <a:picLocks noGrp="1" noChangeAspect="1"/>
+          </p:cNvPicPr>
+          <p:nvPr>
+            <p:ph idx="1"/>
+          </p:nvPr>
+        </p:nvPicPr>
+        <p:blipFill>
+          <a:blip r:embed="rId3"/>
+          <a:stretch>
+            <a:fillRect/>
+          </a:stretch>
+        </p:blipFill>
+        <p:spPr>
+          <a:xfrm>
+            <a:off x="1800331" y="223210"/>
+            <a:ext cx="8297337" cy="6411579"/>
+          </a:xfrm>
+        </p:spPr>
+      </p:pic>
+    </p:spTree>
+    <p:extLst>
+      <p:ext uri="{BB962C8B-B14F-4D97-AF65-F5344CB8AC3E}">
+        <p14:creationId xmlns:p14="http://schemas.microsoft.com/office/powerpoint/2010/main" val="2025974272"/>
+      </p:ext>
+    </p:extLst>
+  </p:cSld>
+  <p:clrMapOvr>
+    <a:masterClrMapping/>
+  </p:clrMapOvr>
+</p:sld>
+</file>
+
+<file path=ppt/slides/slide3.xml><?xml version="1.0" encoding="utf-8"?>
+<p:sld xmlns:a="http://schemas.openxmlformats.org/drawingml/2006/main" xmlns:r="http://schemas.openxmlformats.org/officeDocument/2006/relationships" xmlns:p="http://schemas.openxmlformats.org/presentationml/2006/main">
+  <p:cSld>
+    <p:spTree>
+      <p:nvGrpSpPr>
+        <p:cNvPr id="1" name=""/>
+        <p:cNvGrpSpPr/>
+        <p:nvPr/>
+      </p:nvGrpSpPr>
+      <p:grpSpPr>
+        <a:xfrm>
+          <a:off x="0" y="0"/>
+          <a:ext cx="0" cy="0"/>
+          <a:chOff x="0" y="0"/>
+          <a:chExt cx="0" cy="0"/>
+        </a:xfrm>
+      </p:grpSpPr>
+      <p:sp>
+        <p:nvSpPr>
+          <p:cNvPr id="2" name="Titel 1"/>
+          <p:cNvSpPr>
+            <a:spLocks noGrp="1"/>
+          </p:cNvSpPr>
+          <p:nvPr>
+            <p:ph type="ctrTitle"/>
+          </p:nvPr>
+        </p:nvSpPr>
+        <p:spPr/>
+        <p:txBody>
+          <a:bodyPr>
+            <a:normAutofit/>
+          </a:bodyPr>
+          <a:lstStyle/>
+          <a:p>
+            <a:r>
+              <a:rPr lang="de-CH" sz="7200" dirty="0"/>
+              <a:t>Temperatursensor Eigenbau</a:t>
+            </a:r>
+          </a:p>
+        </p:txBody>
+      </p:sp>
+      <p:sp>
+        <p:nvSpPr>
+          <p:cNvPr id="3" name="Untertitel 2"/>
+          <p:cNvSpPr>
+            <a:spLocks noGrp="1"/>
+          </p:cNvSpPr>
+          <p:nvPr>
+            <p:ph type="subTitle" idx="1"/>
+          </p:nvPr>
+        </p:nvSpPr>
+        <p:spPr>
+          <a:xfrm>
+            <a:off x="2209800" y="5367305"/>
+            <a:ext cx="9144000" cy="754025"/>
+          </a:xfrm>
+        </p:spPr>
+        <p:txBody>
+          <a:bodyPr/>
+          <a:lstStyle/>
+          <a:p>
+            <a:r>
+              <a:rPr lang="de-CH" dirty="0"/>
+              <a:t>Melina Scodeller &amp; Tobias Kreienbühl</a:t>
+            </a:r>
+          </a:p>
+        </p:txBody>
+      </p:sp>
+      <p:pic>
+        <p:nvPicPr>
+          <p:cNvPr id="4" name="Grafik 3"/>
+          <p:cNvPicPr>
+            <a:picLocks noChangeAspect="1"/>
+          </p:cNvPicPr>
+          <p:nvPr/>
+        </p:nvPicPr>
+        <p:blipFill>
+          <a:blip r:embed="rId2"/>
+          <a:stretch>
+            <a:fillRect/>
+          </a:stretch>
+        </p:blipFill>
+        <p:spPr>
+          <a:xfrm>
+            <a:off x="1578460" y="1263941"/>
+            <a:ext cx="3009622" cy="2002955"/>
           </a:xfrm>
           <a:prstGeom prst="rect">
             <a:avLst/>
@@ -5905,7 +7694,7 @@
         </p:blipFill>
         <p:spPr>
           <a:xfrm>
-            <a:off x="7405245" y="2298562"/>
+            <a:off x="5963925" y="1527405"/>
             <a:ext cx="1409531" cy="1395813"/>
           </a:xfrm>
           <a:prstGeom prst="rect">
@@ -5918,229 +7707,96 @@
       </p:pic>
       <p:pic>
         <p:nvPicPr>
-          <p:cNvPr id="6" name="Grafik 5"/>
+          <p:cNvPr id="7" name="Grafik 6"/>
           <p:cNvPicPr>
             <a:picLocks noChangeAspect="1"/>
           </p:cNvPicPr>
           <p:nvPr/>
         </p:nvPicPr>
         <p:blipFill>
-          <a:blip r:embed="rId5">
-            <a:extLst>
-              <a:ext uri="{BEBA8EAE-BF5A-486C-A8C5-ECC9F3942E4B}">
-                <a14:imgProps xmlns:a14="http://schemas.microsoft.com/office/drawing/2010/main">
-                  <a14:imgLayer r:embed="rId6">
-                    <a14:imgEffect>
-                      <a14:brightnessContrast bright="-16000"/>
-                    </a14:imgEffect>
-                  </a14:imgLayer>
-                </a14:imgProps>
-              </a:ext>
-            </a:extLst>
-          </a:blip>
+          <a:blip r:embed="rId5"/>
           <a:stretch>
             <a:fillRect/>
           </a:stretch>
         </p:blipFill>
         <p:spPr>
           <a:xfrm>
-            <a:off x="6829720" y="575451"/>
-            <a:ext cx="1280290" cy="1280290"/>
+            <a:off x="8959920" y="1094200"/>
+            <a:ext cx="2132842" cy="2132842"/>
           </a:xfrm>
           <a:prstGeom prst="rect">
             <a:avLst/>
           </a:prstGeom>
+          <a:ln>
+            <a:noFill/>
+          </a:ln>
           <a:effectLst>
-            <a:softEdge rad="114300"/>
+            <a:softEdge rad="112500"/>
           </a:effectLst>
         </p:spPr>
       </p:pic>
+      <p:sp>
+        <p:nvSpPr>
+          <p:cNvPr id="8" name="Textfeld 7"/>
+          <p:cNvSpPr txBox="1"/>
+          <p:nvPr/>
+        </p:nvSpPr>
+        <p:spPr>
+          <a:xfrm>
+            <a:off x="4847650" y="1656689"/>
+            <a:ext cx="856706" cy="1015663"/>
+          </a:xfrm>
+          <a:prstGeom prst="rect">
+            <a:avLst/>
+          </a:prstGeom>
+          <a:noFill/>
+        </p:spPr>
+        <p:txBody>
+          <a:bodyPr wrap="square" rtlCol="0">
+            <a:spAutoFit/>
+          </a:bodyPr>
+          <a:lstStyle/>
+          <a:p>
+            <a:r>
+              <a:rPr lang="de-CH" sz="6000" dirty="0"/>
+              <a:t>+</a:t>
+            </a:r>
+          </a:p>
+        </p:txBody>
+      </p:sp>
+      <p:sp>
+        <p:nvSpPr>
+          <p:cNvPr id="9" name="Textfeld 8"/>
+          <p:cNvSpPr txBox="1"/>
+          <p:nvPr/>
+        </p:nvSpPr>
+        <p:spPr>
+          <a:xfrm>
+            <a:off x="7892593" y="1656689"/>
+            <a:ext cx="856706" cy="1015663"/>
+          </a:xfrm>
+          <a:prstGeom prst="rect">
+            <a:avLst/>
+          </a:prstGeom>
+          <a:noFill/>
+        </p:spPr>
+        <p:txBody>
+          <a:bodyPr wrap="square" rtlCol="0">
+            <a:spAutoFit/>
+          </a:bodyPr>
+          <a:lstStyle/>
+          <a:p>
+            <a:r>
+              <a:rPr lang="de-CH" sz="6000" dirty="0"/>
+              <a:t>=</a:t>
+            </a:r>
+          </a:p>
+        </p:txBody>
+      </p:sp>
     </p:spTree>
     <p:extLst>
       <p:ext uri="{BB962C8B-B14F-4D97-AF65-F5344CB8AC3E}">
         <p14:creationId xmlns:p14="http://schemas.microsoft.com/office/powerpoint/2010/main" val="3483665460"/>
-      </p:ext>
-    </p:extLst>
-  </p:cSld>
-  <p:clrMapOvr>
-    <a:masterClrMapping/>
-  </p:clrMapOvr>
-</p:sld>
-</file>
-
-<file path=ppt/slides/slide2.xml><?xml version="1.0" encoding="utf-8"?>
-<p:sld xmlns:a="http://schemas.openxmlformats.org/drawingml/2006/main" xmlns:r="http://schemas.openxmlformats.org/officeDocument/2006/relationships" xmlns:p="http://schemas.openxmlformats.org/presentationml/2006/main">
-  <p:cSld>
-    <p:spTree>
-      <p:nvGrpSpPr>
-        <p:cNvPr id="1" name=""/>
-        <p:cNvGrpSpPr/>
-        <p:nvPr/>
-      </p:nvGrpSpPr>
-      <p:grpSpPr>
-        <a:xfrm>
-          <a:off x="0" y="0"/>
-          <a:ext cx="0" cy="0"/>
-          <a:chOff x="0" y="0"/>
-          <a:chExt cx="0" cy="0"/>
-        </a:xfrm>
-      </p:grpSpPr>
-      <p:sp>
-        <p:nvSpPr>
-          <p:cNvPr id="2" name="Titel 1"/>
-          <p:cNvSpPr>
-            <a:spLocks noGrp="1"/>
-          </p:cNvSpPr>
-          <p:nvPr>
-            <p:ph type="title"/>
-          </p:nvPr>
-        </p:nvSpPr>
-        <p:spPr/>
-        <p:txBody>
-          <a:bodyPr/>
-          <a:lstStyle/>
-          <a:p>
-            <a:r>
-              <a:rPr lang="de-CH" dirty="0"/>
-              <a:t>Ablauf</a:t>
-            </a:r>
-          </a:p>
-        </p:txBody>
-      </p:sp>
-      <p:sp>
-        <p:nvSpPr>
-          <p:cNvPr id="3" name="Inhaltsplatzhalter 2"/>
-          <p:cNvSpPr>
-            <a:spLocks noGrp="1"/>
-          </p:cNvSpPr>
-          <p:nvPr>
-            <p:ph idx="1"/>
-          </p:nvPr>
-        </p:nvSpPr>
-        <p:spPr/>
-        <p:txBody>
-          <a:bodyPr/>
-          <a:lstStyle/>
-          <a:p>
-            <a:r>
-              <a:rPr lang="de-CH" dirty="0"/>
-              <a:t>Idee</a:t>
-            </a:r>
-          </a:p>
-          <a:p>
-            <a:r>
-              <a:rPr lang="de-CH" dirty="0"/>
-              <a:t>Umsetzung</a:t>
-            </a:r>
-          </a:p>
-          <a:p>
-            <a:r>
-              <a:rPr lang="de-CH" dirty="0"/>
-              <a:t>Live-Demo</a:t>
-            </a:r>
-          </a:p>
-        </p:txBody>
-      </p:sp>
-    </p:spTree>
-    <p:extLst>
-      <p:ext uri="{BB962C8B-B14F-4D97-AF65-F5344CB8AC3E}">
-        <p14:creationId xmlns:p14="http://schemas.microsoft.com/office/powerpoint/2010/main" val="2111107586"/>
-      </p:ext>
-    </p:extLst>
-  </p:cSld>
-  <p:clrMapOvr>
-    <a:masterClrMapping/>
-  </p:clrMapOvr>
-</p:sld>
-</file>
-
-<file path=ppt/slides/slide3.xml><?xml version="1.0" encoding="utf-8"?>
-<p:sld xmlns:a="http://schemas.openxmlformats.org/drawingml/2006/main" xmlns:r="http://schemas.openxmlformats.org/officeDocument/2006/relationships" xmlns:p="http://schemas.openxmlformats.org/presentationml/2006/main">
-  <p:cSld>
-    <p:spTree>
-      <p:nvGrpSpPr>
-        <p:cNvPr id="1" name=""/>
-        <p:cNvGrpSpPr/>
-        <p:nvPr/>
-      </p:nvGrpSpPr>
-      <p:grpSpPr>
-        <a:xfrm>
-          <a:off x="0" y="0"/>
-          <a:ext cx="0" cy="0"/>
-          <a:chOff x="0" y="0"/>
-          <a:chExt cx="0" cy="0"/>
-        </a:xfrm>
-      </p:grpSpPr>
-      <p:sp>
-        <p:nvSpPr>
-          <p:cNvPr id="2" name="Titel 1"/>
-          <p:cNvSpPr>
-            <a:spLocks noGrp="1"/>
-          </p:cNvSpPr>
-          <p:nvPr>
-            <p:ph type="title"/>
-          </p:nvPr>
-        </p:nvSpPr>
-        <p:spPr/>
-        <p:txBody>
-          <a:bodyPr/>
-          <a:lstStyle/>
-          <a:p>
-            <a:r>
-              <a:rPr lang="de-CH" dirty="0"/>
-              <a:t>Idee</a:t>
-            </a:r>
-          </a:p>
-        </p:txBody>
-      </p:sp>
-      <p:sp>
-        <p:nvSpPr>
-          <p:cNvPr id="3" name="Inhaltsplatzhalter 2"/>
-          <p:cNvSpPr>
-            <a:spLocks noGrp="1"/>
-          </p:cNvSpPr>
-          <p:nvPr>
-            <p:ph idx="1"/>
-          </p:nvPr>
-        </p:nvSpPr>
-        <p:spPr/>
-        <p:txBody>
-          <a:bodyPr/>
-          <a:lstStyle/>
-          <a:p>
-            <a:r>
-              <a:rPr lang="de-CH" dirty="0" err="1"/>
-              <a:t>Temperatuüberprüfung</a:t>
-            </a:r>
-            <a:endParaRPr lang="de-CH" dirty="0"/>
-          </a:p>
-          <a:p>
-            <a:endParaRPr lang="de-CH" dirty="0"/>
-          </a:p>
-          <a:p>
-            <a:r>
-              <a:rPr lang="de-CH" dirty="0"/>
-              <a:t>Webausgabe</a:t>
-            </a:r>
-          </a:p>
-          <a:p>
-            <a:endParaRPr lang="de-CH" dirty="0"/>
-          </a:p>
-          <a:p>
-            <a:r>
-              <a:rPr lang="de-CH" dirty="0"/>
-              <a:t>Mailbenachrichtigung</a:t>
-            </a:r>
-          </a:p>
-          <a:p>
-            <a:endParaRPr lang="de-CH" dirty="0"/>
-          </a:p>
-        </p:txBody>
-      </p:sp>
-    </p:spTree>
-    <p:extLst>
-      <p:ext uri="{BB962C8B-B14F-4D97-AF65-F5344CB8AC3E}">
-        <p14:creationId xmlns:p14="http://schemas.microsoft.com/office/powerpoint/2010/main" val="1560793860"/>
       </p:ext>
     </p:extLst>
   </p:cSld>
@@ -6184,40 +7840,49 @@
           <a:p>
             <a:r>
               <a:rPr lang="de-CH" dirty="0"/>
+              <a:t>Ablauf</a:t>
+            </a:r>
+          </a:p>
+        </p:txBody>
+      </p:sp>
+      <p:sp>
+        <p:nvSpPr>
+          <p:cNvPr id="3" name="Inhaltsplatzhalter 2"/>
+          <p:cNvSpPr>
+            <a:spLocks noGrp="1"/>
+          </p:cNvSpPr>
+          <p:nvPr>
+            <p:ph idx="1"/>
+          </p:nvPr>
+        </p:nvSpPr>
+        <p:spPr/>
+        <p:txBody>
+          <a:bodyPr>
+            <a:normAutofit/>
+          </a:bodyPr>
+          <a:lstStyle/>
+          <a:p>
+            <a:r>
+              <a:rPr lang="de-CH" sz="3200" dirty="0"/>
+              <a:t>Ziele &amp; Idee</a:t>
+            </a:r>
+          </a:p>
+          <a:p>
+            <a:endParaRPr lang="de-CH" sz="3200" dirty="0"/>
+          </a:p>
+          <a:p>
+            <a:r>
+              <a:rPr lang="de-CH" sz="3200" dirty="0"/>
               <a:t>Umsetzung</a:t>
             </a:r>
           </a:p>
-        </p:txBody>
-      </p:sp>
-      <p:sp>
-        <p:nvSpPr>
-          <p:cNvPr id="5" name="Inhaltsplatzhalter 4"/>
-          <p:cNvSpPr>
-            <a:spLocks noGrp="1"/>
-          </p:cNvSpPr>
-          <p:nvPr>
-            <p:ph idx="1"/>
-          </p:nvPr>
-        </p:nvSpPr>
-        <p:spPr/>
-        <p:txBody>
-          <a:bodyPr/>
-          <a:lstStyle/>
-          <a:p>
-            <a:pPr marL="0" indent="0">
-              <a:buNone/>
-            </a:pPr>
-            <a:r>
-              <a:rPr lang="de-CH" dirty="0"/>
-              <a:t>Etwas zur </a:t>
-            </a:r>
-            <a:r>
-              <a:rPr lang="de-CH" dirty="0" err="1"/>
-              <a:t>Softwar</a:t>
-            </a:r>
-            <a:r>
-              <a:rPr lang="de-CH" dirty="0"/>
-              <a:t>…</a:t>
+          <a:p>
+            <a:endParaRPr lang="de-CH" sz="3200" dirty="0"/>
+          </a:p>
+          <a:p>
+            <a:r>
+              <a:rPr lang="de-CH" sz="3200" dirty="0"/>
+              <a:t>Live-Demo</a:t>
             </a:r>
           </a:p>
         </p:txBody>
@@ -6225,7 +7890,7 @@
     </p:spTree>
     <p:extLst>
       <p:ext uri="{BB962C8B-B14F-4D97-AF65-F5344CB8AC3E}">
-        <p14:creationId xmlns:p14="http://schemas.microsoft.com/office/powerpoint/2010/main" val="1704242133"/>
+        <p14:creationId xmlns:p14="http://schemas.microsoft.com/office/powerpoint/2010/main" val="2111107586"/>
       </p:ext>
     </p:extLst>
   </p:cSld>
@@ -6269,14 +7934,14 @@
           <a:p>
             <a:r>
               <a:rPr lang="de-CH" dirty="0"/>
-              <a:t>Umsetzung</a:t>
-            </a:r>
-          </a:p>
-        </p:txBody>
-      </p:sp>
-      <p:sp>
-        <p:nvSpPr>
-          <p:cNvPr id="5" name="Inhaltsplatzhalter 4"/>
+              <a:t>Ziele</a:t>
+            </a:r>
+          </a:p>
+        </p:txBody>
+      </p:sp>
+      <p:sp>
+        <p:nvSpPr>
+          <p:cNvPr id="3" name="Inhaltsplatzhalter 2"/>
           <p:cNvSpPr>
             <a:spLocks noGrp="1"/>
           </p:cNvSpPr>
@@ -6289,44 +7954,38 @@
           <a:bodyPr/>
           <a:lstStyle/>
           <a:p>
-            <a:pPr marL="0" indent="0">
-              <a:buNone/>
-            </a:pPr>
             <a:r>
               <a:rPr lang="de-CH" dirty="0"/>
-              <a:t>Ausgabe in XML-File</a:t>
-            </a:r>
-          </a:p>
-        </p:txBody>
-      </p:sp>
-      <p:pic>
-        <p:nvPicPr>
-          <p:cNvPr id="6" name="Grafik 5"/>
-          <p:cNvPicPr>
-            <a:picLocks noChangeAspect="1"/>
-          </p:cNvPicPr>
-          <p:nvPr/>
-        </p:nvPicPr>
-        <p:blipFill>
-          <a:blip r:embed="rId2"/>
-          <a:stretch>
-            <a:fillRect/>
-          </a:stretch>
-        </p:blipFill>
-        <p:spPr>
-          <a:xfrm>
-            <a:off x="2468070" y="2635770"/>
-            <a:ext cx="5331684" cy="3087000"/>
-          </a:xfrm>
-          <a:prstGeom prst="rect">
-            <a:avLst/>
-          </a:prstGeom>
-        </p:spPr>
-      </p:pic>
+              <a:t>Temperaturüberprüfung</a:t>
+            </a:r>
+          </a:p>
+          <a:p>
+            <a:endParaRPr lang="de-CH" dirty="0"/>
+          </a:p>
+          <a:p>
+            <a:r>
+              <a:rPr lang="de-CH" dirty="0"/>
+              <a:t>Webausgabe</a:t>
+            </a:r>
+          </a:p>
+          <a:p>
+            <a:endParaRPr lang="de-CH" dirty="0"/>
+          </a:p>
+          <a:p>
+            <a:r>
+              <a:rPr lang="de-CH" dirty="0"/>
+              <a:t>Mailbenachrichtigung</a:t>
+            </a:r>
+          </a:p>
+          <a:p>
+            <a:endParaRPr lang="de-CH" dirty="0"/>
+          </a:p>
+        </p:txBody>
+      </p:sp>
     </p:spTree>
     <p:extLst>
       <p:ext uri="{BB962C8B-B14F-4D97-AF65-F5344CB8AC3E}">
-        <p14:creationId xmlns:p14="http://schemas.microsoft.com/office/powerpoint/2010/main" val="1888100657"/>
+        <p14:creationId xmlns:p14="http://schemas.microsoft.com/office/powerpoint/2010/main" val="1560793860"/>
       </p:ext>
     </p:extLst>
   </p:cSld>
@@ -6370,38 +8029,55 @@
           <a:p>
             <a:r>
               <a:rPr lang="de-CH" dirty="0"/>
-              <a:t>Umsetzung</a:t>
-            </a:r>
-          </a:p>
-        </p:txBody>
-      </p:sp>
-      <p:pic>
-        <p:nvPicPr>
-          <p:cNvPr id="4" name="Inhaltsplatzhalter 3"/>
-          <p:cNvPicPr>
-            <a:picLocks noGrp="1" noChangeAspect="1"/>
-          </p:cNvPicPr>
+              <a:t>Idee</a:t>
+            </a:r>
+          </a:p>
+        </p:txBody>
+      </p:sp>
+      <p:sp>
+        <p:nvSpPr>
+          <p:cNvPr id="3" name="Inhaltsplatzhalter 2"/>
+          <p:cNvSpPr>
+            <a:spLocks noGrp="1"/>
+          </p:cNvSpPr>
           <p:nvPr>
             <p:ph idx="1"/>
           </p:nvPr>
-        </p:nvPicPr>
-        <p:blipFill>
-          <a:blip r:embed="rId2"/>
-          <a:stretch>
-            <a:fillRect/>
-          </a:stretch>
-        </p:blipFill>
-        <p:spPr>
-          <a:xfrm>
-            <a:off x="4034615" y="2417751"/>
-            <a:ext cx="4405345" cy="3167086"/>
-          </a:xfrm>
-        </p:spPr>
-      </p:pic>
+        </p:nvSpPr>
+        <p:spPr/>
+        <p:txBody>
+          <a:bodyPr/>
+          <a:lstStyle/>
+          <a:p>
+            <a:r>
+              <a:rPr lang="de-CH" dirty="0"/>
+              <a:t>Steckbares System</a:t>
+            </a:r>
+          </a:p>
+          <a:p>
+            <a:endParaRPr lang="de-CH" dirty="0"/>
+          </a:p>
+          <a:p>
+            <a:r>
+              <a:rPr lang="de-CH" dirty="0"/>
+              <a:t>Flexibel</a:t>
+            </a:r>
+          </a:p>
+          <a:p>
+            <a:endParaRPr lang="de-CH" dirty="0"/>
+          </a:p>
+          <a:p>
+            <a:r>
+              <a:rPr lang="de-CH" dirty="0"/>
+              <a:t>Wartungsfreundlich</a:t>
+            </a:r>
+          </a:p>
+        </p:txBody>
+      </p:sp>
     </p:spTree>
     <p:extLst>
       <p:ext uri="{BB962C8B-B14F-4D97-AF65-F5344CB8AC3E}">
-        <p14:creationId xmlns:p14="http://schemas.microsoft.com/office/powerpoint/2010/main" val="2382723501"/>
+        <p14:creationId xmlns:p14="http://schemas.microsoft.com/office/powerpoint/2010/main" val="1156752266"/>
       </p:ext>
     </p:extLst>
   </p:cSld>
@@ -6445,14 +8121,14 @@
           <a:p>
             <a:r>
               <a:rPr lang="de-CH" dirty="0"/>
-              <a:t>Live-Demo</a:t>
-            </a:r>
-          </a:p>
-        </p:txBody>
-      </p:sp>
-      <p:sp>
-        <p:nvSpPr>
-          <p:cNvPr id="3" name="Inhaltsplatzhalter 2"/>
+              <a:t>Hardware</a:t>
+            </a:r>
+          </a:p>
+        </p:txBody>
+      </p:sp>
+      <p:sp>
+        <p:nvSpPr>
+          <p:cNvPr id="5" name="Inhaltsplatzhalter 4"/>
           <p:cNvSpPr>
             <a:spLocks noGrp="1"/>
           </p:cNvSpPr>
@@ -6465,14 +8141,436 @@
           <a:bodyPr/>
           <a:lstStyle/>
           <a:p>
+            <a:pPr marL="0" indent="0">
+              <a:buNone/>
+            </a:pPr>
             <a:endParaRPr lang="de-CH" dirty="0"/>
+          </a:p>
+          <a:p>
+            <a:pPr marL="0" indent="0">
+              <a:buNone/>
+            </a:pPr>
+            <a:endParaRPr lang="de-CH" dirty="0"/>
+          </a:p>
+        </p:txBody>
+      </p:sp>
+      <p:pic>
+        <p:nvPicPr>
+          <p:cNvPr id="4" name="Grafik 3"/>
+          <p:cNvPicPr>
+            <a:picLocks noChangeAspect="1"/>
+          </p:cNvPicPr>
+          <p:nvPr/>
+        </p:nvPicPr>
+        <p:blipFill>
+          <a:blip r:embed="rId3"/>
+          <a:stretch>
+            <a:fillRect/>
+          </a:stretch>
+        </p:blipFill>
+        <p:spPr>
+          <a:xfrm>
+            <a:off x="933232" y="2567505"/>
+            <a:ext cx="3025005" cy="2135733"/>
+          </a:xfrm>
+          <a:prstGeom prst="rect">
+            <a:avLst/>
+          </a:prstGeom>
+        </p:spPr>
+      </p:pic>
+      <p:pic>
+        <p:nvPicPr>
+          <p:cNvPr id="6" name="Grafik 5"/>
+          <p:cNvPicPr>
+            <a:picLocks noChangeAspect="1"/>
+          </p:cNvPicPr>
+          <p:nvPr/>
+        </p:nvPicPr>
+        <p:blipFill>
+          <a:blip r:embed="rId4"/>
+          <a:stretch>
+            <a:fillRect/>
+          </a:stretch>
+        </p:blipFill>
+        <p:spPr>
+          <a:xfrm>
+            <a:off x="5061703" y="2575977"/>
+            <a:ext cx="2148168" cy="2127261"/>
+          </a:xfrm>
+          <a:prstGeom prst="rect">
+            <a:avLst/>
+          </a:prstGeom>
+        </p:spPr>
+      </p:pic>
+      <p:sp>
+        <p:nvSpPr>
+          <p:cNvPr id="7" name="Textfeld 6"/>
+          <p:cNvSpPr txBox="1"/>
+          <p:nvPr/>
+        </p:nvSpPr>
+        <p:spPr>
+          <a:xfrm>
+            <a:off x="4945788" y="4838175"/>
+            <a:ext cx="3041497" cy="369332"/>
+          </a:xfrm>
+          <a:prstGeom prst="rect">
+            <a:avLst/>
+          </a:prstGeom>
+          <a:noFill/>
+        </p:spPr>
+        <p:txBody>
+          <a:bodyPr wrap="square" rtlCol="0">
+            <a:spAutoFit/>
+          </a:bodyPr>
+          <a:lstStyle/>
+          <a:p>
+            <a:r>
+              <a:rPr lang="de-CH" dirty="0"/>
+              <a:t>Analoger Temperatursensor</a:t>
+            </a:r>
+          </a:p>
+        </p:txBody>
+      </p:sp>
+      <p:sp>
+        <p:nvSpPr>
+          <p:cNvPr id="8" name="Textfeld 7"/>
+          <p:cNvSpPr txBox="1"/>
+          <p:nvPr/>
+        </p:nvSpPr>
+        <p:spPr>
+          <a:xfrm>
+            <a:off x="838200" y="4838175"/>
+            <a:ext cx="3041497" cy="369332"/>
+          </a:xfrm>
+          <a:prstGeom prst="rect">
+            <a:avLst/>
+          </a:prstGeom>
+          <a:noFill/>
+        </p:spPr>
+        <p:txBody>
+          <a:bodyPr wrap="square" rtlCol="0">
+            <a:spAutoFit/>
+          </a:bodyPr>
+          <a:lstStyle/>
+          <a:p>
+            <a:r>
+              <a:rPr lang="de-CH" dirty="0" err="1"/>
+              <a:t>Raspberry</a:t>
+            </a:r>
+            <a:r>
+              <a:rPr lang="de-CH" dirty="0"/>
+              <a:t> Pi mit Basisplatine</a:t>
+            </a:r>
+          </a:p>
+        </p:txBody>
+      </p:sp>
+      <p:pic>
+        <p:nvPicPr>
+          <p:cNvPr id="9" name="Grafik 8"/>
+          <p:cNvPicPr>
+            <a:picLocks noChangeAspect="1"/>
+          </p:cNvPicPr>
+          <p:nvPr/>
+        </p:nvPicPr>
+        <p:blipFill>
+          <a:blip r:embed="rId5"/>
+          <a:stretch>
+            <a:fillRect/>
+          </a:stretch>
+        </p:blipFill>
+        <p:spPr>
+          <a:xfrm>
+            <a:off x="8739455" y="2798238"/>
+            <a:ext cx="1905000" cy="1905000"/>
+          </a:xfrm>
+          <a:prstGeom prst="rect">
+            <a:avLst/>
+          </a:prstGeom>
+        </p:spPr>
+      </p:pic>
+      <p:sp>
+        <p:nvSpPr>
+          <p:cNvPr id="10" name="Textfeld 9"/>
+          <p:cNvSpPr txBox="1"/>
+          <p:nvPr/>
+        </p:nvSpPr>
+        <p:spPr>
+          <a:xfrm>
+            <a:off x="8642772" y="4838175"/>
+            <a:ext cx="3041497" cy="369332"/>
+          </a:xfrm>
+          <a:prstGeom prst="rect">
+            <a:avLst/>
+          </a:prstGeom>
+          <a:noFill/>
+        </p:spPr>
+        <p:txBody>
+          <a:bodyPr wrap="square" rtlCol="0">
+            <a:spAutoFit/>
+          </a:bodyPr>
+          <a:lstStyle/>
+          <a:p>
+            <a:r>
+              <a:rPr lang="de-CH" dirty="0"/>
+              <a:t>Verbindungskabel</a:t>
+            </a:r>
           </a:p>
         </p:txBody>
       </p:sp>
     </p:spTree>
     <p:extLst>
       <p:ext uri="{BB962C8B-B14F-4D97-AF65-F5344CB8AC3E}">
-        <p14:creationId xmlns:p14="http://schemas.microsoft.com/office/powerpoint/2010/main" val="2648717026"/>
+        <p14:creationId xmlns:p14="http://schemas.microsoft.com/office/powerpoint/2010/main" val="1702612908"/>
+      </p:ext>
+    </p:extLst>
+  </p:cSld>
+  <p:clrMapOvr>
+    <a:masterClrMapping/>
+  </p:clrMapOvr>
+</p:sld>
+</file>
+
+<file path=ppt/slides/slide8.xml><?xml version="1.0" encoding="utf-8"?>
+<p:sld xmlns:a="http://schemas.openxmlformats.org/drawingml/2006/main" xmlns:r="http://schemas.openxmlformats.org/officeDocument/2006/relationships" xmlns:p="http://schemas.openxmlformats.org/presentationml/2006/main">
+  <p:cSld>
+    <p:spTree>
+      <p:nvGrpSpPr>
+        <p:cNvPr id="1" name=""/>
+        <p:cNvGrpSpPr/>
+        <p:nvPr/>
+      </p:nvGrpSpPr>
+      <p:grpSpPr>
+        <a:xfrm>
+          <a:off x="0" y="0"/>
+          <a:ext cx="0" cy="0"/>
+          <a:chOff x="0" y="0"/>
+          <a:chExt cx="0" cy="0"/>
+        </a:xfrm>
+      </p:grpSpPr>
+      <p:sp>
+        <p:nvSpPr>
+          <p:cNvPr id="2" name="Titel 1"/>
+          <p:cNvSpPr>
+            <a:spLocks noGrp="1"/>
+          </p:cNvSpPr>
+          <p:nvPr>
+            <p:ph type="title"/>
+          </p:nvPr>
+        </p:nvSpPr>
+        <p:spPr/>
+        <p:txBody>
+          <a:bodyPr/>
+          <a:lstStyle/>
+          <a:p>
+            <a:r>
+              <a:rPr lang="de-CH" dirty="0"/>
+              <a:t>Hardware</a:t>
+            </a:r>
+          </a:p>
+        </p:txBody>
+      </p:sp>
+      <p:sp>
+        <p:nvSpPr>
+          <p:cNvPr id="3" name="Inhaltsplatzhalter 2"/>
+          <p:cNvSpPr>
+            <a:spLocks noGrp="1"/>
+          </p:cNvSpPr>
+          <p:nvPr>
+            <p:ph idx="1"/>
+          </p:nvPr>
+        </p:nvSpPr>
+        <p:spPr/>
+        <p:txBody>
+          <a:bodyPr/>
+          <a:lstStyle/>
+          <a:p>
+            <a:r>
+              <a:rPr lang="de-CH" dirty="0"/>
+              <a:t>Einlesen der analogen Sensorwerte über SPI &amp; AD-Wandler</a:t>
+            </a:r>
+          </a:p>
+          <a:p>
+            <a:endParaRPr lang="de-CH" dirty="0"/>
+          </a:p>
+          <a:p>
+            <a:r>
+              <a:rPr lang="de-CH" dirty="0"/>
+              <a:t>Umwandlung in °C</a:t>
+            </a:r>
+          </a:p>
+        </p:txBody>
+      </p:sp>
+      <p:pic>
+        <p:nvPicPr>
+          <p:cNvPr id="4" name="Grafik 3"/>
+          <p:cNvPicPr>
+            <a:picLocks noChangeAspect="1"/>
+          </p:cNvPicPr>
+          <p:nvPr/>
+        </p:nvPicPr>
+        <p:blipFill>
+          <a:blip r:embed="rId2"/>
+          <a:stretch>
+            <a:fillRect/>
+          </a:stretch>
+        </p:blipFill>
+        <p:spPr>
+          <a:xfrm>
+            <a:off x="1458720" y="3454054"/>
+            <a:ext cx="3678588" cy="1388746"/>
+          </a:xfrm>
+          <a:prstGeom prst="rect">
+            <a:avLst/>
+          </a:prstGeom>
+        </p:spPr>
+      </p:pic>
+      <p:sp>
+        <p:nvSpPr>
+          <p:cNvPr id="5" name="Textfeld 4"/>
+          <p:cNvSpPr txBox="1"/>
+          <p:nvPr/>
+        </p:nvSpPr>
+        <p:spPr>
+          <a:xfrm>
+            <a:off x="1401178" y="4976634"/>
+            <a:ext cx="3793672" cy="1138773"/>
+          </a:xfrm>
+          <a:prstGeom prst="rect">
+            <a:avLst/>
+          </a:prstGeom>
+          <a:noFill/>
+        </p:spPr>
+        <p:txBody>
+          <a:bodyPr wrap="square" rtlCol="0">
+            <a:spAutoFit/>
+          </a:bodyPr>
+          <a:lstStyle/>
+          <a:p>
+            <a:r>
+              <a:rPr lang="de-CH" sz="1600" dirty="0"/>
+              <a:t>T = Temperatur in °C</a:t>
+            </a:r>
+          </a:p>
+          <a:p>
+            <a:r>
+              <a:rPr lang="de-CH" sz="1600" dirty="0"/>
+              <a:t>D = Umgewandelter Digitalwert</a:t>
+            </a:r>
+          </a:p>
+          <a:p>
+            <a:r>
+              <a:rPr lang="de-CH" sz="1600" dirty="0"/>
+              <a:t>V = Speisungsspannung</a:t>
+            </a:r>
+          </a:p>
+          <a:p>
+            <a:endParaRPr lang="de-CH" dirty="0"/>
+          </a:p>
+        </p:txBody>
+      </p:sp>
+    </p:spTree>
+    <p:extLst>
+      <p:ext uri="{BB962C8B-B14F-4D97-AF65-F5344CB8AC3E}">
+        <p14:creationId xmlns:p14="http://schemas.microsoft.com/office/powerpoint/2010/main" val="3915079381"/>
+      </p:ext>
+    </p:extLst>
+  </p:cSld>
+  <p:clrMapOvr>
+    <a:masterClrMapping/>
+  </p:clrMapOvr>
+</p:sld>
+</file>
+
+<file path=ppt/slides/slide9.xml><?xml version="1.0" encoding="utf-8"?>
+<p:sld xmlns:a="http://schemas.openxmlformats.org/drawingml/2006/main" xmlns:r="http://schemas.openxmlformats.org/officeDocument/2006/relationships" xmlns:p="http://schemas.openxmlformats.org/presentationml/2006/main">
+  <p:cSld>
+    <p:spTree>
+      <p:nvGrpSpPr>
+        <p:cNvPr id="1" name=""/>
+        <p:cNvGrpSpPr/>
+        <p:nvPr/>
+      </p:nvGrpSpPr>
+      <p:grpSpPr>
+        <a:xfrm>
+          <a:off x="0" y="0"/>
+          <a:ext cx="0" cy="0"/>
+          <a:chOff x="0" y="0"/>
+          <a:chExt cx="0" cy="0"/>
+        </a:xfrm>
+      </p:grpSpPr>
+      <p:sp>
+        <p:nvSpPr>
+          <p:cNvPr id="2" name="Titel 1"/>
+          <p:cNvSpPr>
+            <a:spLocks noGrp="1"/>
+          </p:cNvSpPr>
+          <p:nvPr>
+            <p:ph type="title"/>
+          </p:nvPr>
+        </p:nvSpPr>
+        <p:spPr/>
+        <p:txBody>
+          <a:bodyPr/>
+          <a:lstStyle/>
+          <a:p>
+            <a:r>
+              <a:rPr lang="de-CH" dirty="0"/>
+              <a:t>Software</a:t>
+            </a:r>
+          </a:p>
+        </p:txBody>
+      </p:sp>
+      <p:pic>
+        <p:nvPicPr>
+          <p:cNvPr id="4" name="Grafik 3"/>
+          <p:cNvPicPr>
+            <a:picLocks noChangeAspect="1"/>
+          </p:cNvPicPr>
+          <p:nvPr/>
+        </p:nvPicPr>
+        <p:blipFill>
+          <a:blip r:embed="rId2"/>
+          <a:stretch>
+            <a:fillRect/>
+          </a:stretch>
+        </p:blipFill>
+        <p:spPr>
+          <a:xfrm>
+            <a:off x="9514248" y="230188"/>
+            <a:ext cx="2426512" cy="1300880"/>
+          </a:xfrm>
+          <a:prstGeom prst="rect">
+            <a:avLst/>
+          </a:prstGeom>
+        </p:spPr>
+      </p:pic>
+      <p:pic>
+        <p:nvPicPr>
+          <p:cNvPr id="7" name="Inhaltsplatzhalter 6"/>
+          <p:cNvPicPr>
+            <a:picLocks noGrp="1" noChangeAspect="1"/>
+          </p:cNvPicPr>
+          <p:nvPr>
+            <p:ph idx="1"/>
+          </p:nvPr>
+        </p:nvPicPr>
+        <p:blipFill>
+          <a:blip r:embed="rId3"/>
+          <a:stretch>
+            <a:fillRect/>
+          </a:stretch>
+        </p:blipFill>
+        <p:spPr>
+          <a:xfrm>
+            <a:off x="2471909" y="1825625"/>
+            <a:ext cx="7530757" cy="4351338"/>
+          </a:xfrm>
+        </p:spPr>
+      </p:pic>
+    </p:spTree>
+    <p:extLst>
+      <p:ext uri="{BB962C8B-B14F-4D97-AF65-F5344CB8AC3E}">
+        <p14:creationId xmlns:p14="http://schemas.microsoft.com/office/powerpoint/2010/main" val="1704242133"/>
       </p:ext>
     </p:extLst>
   </p:cSld>
@@ -6741,4 +8839,299 @@
     </a:ext>
   </a:extLst>
 </a:theme>
+</file>
+
+<file path=ppt/theme/theme2.xml><?xml version="1.0" encoding="utf-8"?>
+<a:theme xmlns:a="http://schemas.openxmlformats.org/drawingml/2006/main" name="Office">
+  <a:themeElements>
+    <a:clrScheme name="Office">
+      <a:dk1>
+        <a:sysClr val="windowText" lastClr="000000"/>
+      </a:dk1>
+      <a:lt1>
+        <a:sysClr val="window" lastClr="FFFFFF"/>
+      </a:lt1>
+      <a:dk2>
+        <a:srgbClr val="44546A"/>
+      </a:dk2>
+      <a:lt2>
+        <a:srgbClr val="E7E6E6"/>
+      </a:lt2>
+      <a:accent1>
+        <a:srgbClr val="5B9BD5"/>
+      </a:accent1>
+      <a:accent2>
+        <a:srgbClr val="ED7D31"/>
+      </a:accent2>
+      <a:accent3>
+        <a:srgbClr val="A5A5A5"/>
+      </a:accent3>
+      <a:accent4>
+        <a:srgbClr val="FFC000"/>
+      </a:accent4>
+      <a:accent5>
+        <a:srgbClr val="4472C4"/>
+      </a:accent5>
+      <a:accent6>
+        <a:srgbClr val="70AD47"/>
+      </a:accent6>
+      <a:hlink>
+        <a:srgbClr val="0563C1"/>
+      </a:hlink>
+      <a:folHlink>
+        <a:srgbClr val="954F72"/>
+      </a:folHlink>
+    </a:clrScheme>
+    <a:fontScheme name="Office">
+      <a:majorFont>
+        <a:latin typeface="Calibri Light" panose="020F0302020204030204"/>
+        <a:ea typeface=""/>
+        <a:cs typeface=""/>
+        <a:font script="Jpan" typeface="游ゴシック Light"/>
+        <a:font script="Hang" typeface="맑은 고딕"/>
+        <a:font script="Hans" typeface="等线 Light"/>
+        <a:font script="Hant" typeface="新細明體"/>
+        <a:font script="Arab" typeface="Times New Roman"/>
+        <a:font script="Hebr" typeface="Times New Roman"/>
+        <a:font script="Thai" typeface="Angsana New"/>
+        <a:font script="Ethi" typeface="Nyala"/>
+        <a:font script="Beng" typeface="Vrinda"/>
+        <a:font script="Gujr" typeface="Shruti"/>
+        <a:font script="Khmr" typeface="MoolBoran"/>
+        <a:font script="Knda" typeface="Tunga"/>
+        <a:font script="Guru" typeface="Raavi"/>
+        <a:font script="Cans" typeface="Euphemia"/>
+        <a:font script="Cher" typeface="Plantagenet Cherokee"/>
+        <a:font script="Yiii" typeface="Microsoft Yi Baiti"/>
+        <a:font script="Tibt" typeface="Microsoft Himalaya"/>
+        <a:font script="Thaa" typeface="MV Boli"/>
+        <a:font script="Deva" typeface="Mangal"/>
+        <a:font script="Telu" typeface="Gautami"/>
+        <a:font script="Taml" typeface="Latha"/>
+        <a:font script="Syrc" typeface="Estrangelo Edessa"/>
+        <a:font script="Orya" typeface="Kalinga"/>
+        <a:font script="Mlym" typeface="Kartika"/>
+        <a:font script="Laoo" typeface="DokChampa"/>
+        <a:font script="Sinh" typeface="Iskoola Pota"/>
+        <a:font script="Mong" typeface="Mongolian Baiti"/>
+        <a:font script="Viet" typeface="Times New Roman"/>
+        <a:font script="Uigh" typeface="Microsoft Uighur"/>
+        <a:font script="Geor" typeface="Sylfaen"/>
+        <a:font script="Armn" typeface="Arial"/>
+        <a:font script="Bugi" typeface="Leelawadee UI"/>
+        <a:font script="Bopo" typeface="Microsoft JhengHei"/>
+        <a:font script="Java" typeface="Javanese Text"/>
+        <a:font script="Lisu" typeface="Segoe UI"/>
+        <a:font script="Mymr" typeface="Myanmar Text"/>
+        <a:font script="Nkoo" typeface="Ebrima"/>
+        <a:font script="Olck" typeface="Nirmala UI"/>
+        <a:font script="Osma" typeface="Ebrima"/>
+        <a:font script="Phag" typeface="Phagspa"/>
+        <a:font script="Syrn" typeface="Estrangelo Edessa"/>
+        <a:font script="Syrj" typeface="Estrangelo Edessa"/>
+        <a:font script="Syre" typeface="Estrangelo Edessa"/>
+        <a:font script="Sora" typeface="Nirmala UI"/>
+        <a:font script="Tale" typeface="Microsoft Tai Le"/>
+        <a:font script="Talu" typeface="Microsoft New Tai Lue"/>
+        <a:font script="Tfng" typeface="Ebrima"/>
+      </a:majorFont>
+      <a:minorFont>
+        <a:latin typeface="Calibri" panose="020F0502020204030204"/>
+        <a:ea typeface=""/>
+        <a:cs typeface=""/>
+        <a:font script="Jpan" typeface="游ゴシック"/>
+        <a:font script="Hang" typeface="맑은 고딕"/>
+        <a:font script="Hans" typeface="等线"/>
+        <a:font script="Hant" typeface="新細明體"/>
+        <a:font script="Arab" typeface="Arial"/>
+        <a:font script="Hebr" typeface="Arial"/>
+        <a:font script="Thai" typeface="Cordia New"/>
+        <a:font script="Ethi" typeface="Nyala"/>
+        <a:font script="Beng" typeface="Vrinda"/>
+        <a:font script="Gujr" typeface="Shruti"/>
+        <a:font script="Khmr" typeface="DaunPenh"/>
+        <a:font script="Knda" typeface="Tunga"/>
+        <a:font script="Guru" typeface="Raavi"/>
+        <a:font script="Cans" typeface="Euphemia"/>
+        <a:font script="Cher" typeface="Plantagenet Cherokee"/>
+        <a:font script="Yiii" typeface="Microsoft Yi Baiti"/>
+        <a:font script="Tibt" typeface="Microsoft Himalaya"/>
+        <a:font script="Thaa" typeface="MV Boli"/>
+        <a:font script="Deva" typeface="Mangal"/>
+        <a:font script="Telu" typeface="Gautami"/>
+        <a:font script="Taml" typeface="Latha"/>
+        <a:font script="Syrc" typeface="Estrangelo Edessa"/>
+        <a:font script="Orya" typeface="Kalinga"/>
+        <a:font script="Mlym" typeface="Kartika"/>
+        <a:font script="Laoo" typeface="DokChampa"/>
+        <a:font script="Sinh" typeface="Iskoola Pota"/>
+        <a:font script="Mong" typeface="Mongolian Baiti"/>
+        <a:font script="Viet" typeface="Arial"/>
+        <a:font script="Uigh" typeface="Microsoft Uighur"/>
+        <a:font script="Geor" typeface="Sylfaen"/>
+        <a:font script="Armn" typeface="Arial"/>
+        <a:font script="Bugi" typeface="Leelawadee UI"/>
+        <a:font script="Bopo" typeface="Microsoft JhengHei"/>
+        <a:font script="Java" typeface="Javanese Text"/>
+        <a:font script="Lisu" typeface="Segoe UI"/>
+        <a:font script="Mymr" typeface="Myanmar Text"/>
+        <a:font script="Nkoo" typeface="Ebrima"/>
+        <a:font script="Olck" typeface="Nirmala UI"/>
+        <a:font script="Osma" typeface="Ebrima"/>
+        <a:font script="Phag" typeface="Phagspa"/>
+        <a:font script="Syrn" typeface="Estrangelo Edessa"/>
+        <a:font script="Syrj" typeface="Estrangelo Edessa"/>
+        <a:font script="Syre" typeface="Estrangelo Edessa"/>
+        <a:font script="Sora" typeface="Nirmala UI"/>
+        <a:font script="Tale" typeface="Microsoft Tai Le"/>
+        <a:font script="Talu" typeface="Microsoft New Tai Lue"/>
+        <a:font script="Tfng" typeface="Ebrima"/>
+      </a:minorFont>
+    </a:fontScheme>
+    <a:fmtScheme name="Office">
+      <a:fillStyleLst>
+        <a:solidFill>
+          <a:schemeClr val="phClr"/>
+        </a:solidFill>
+        <a:gradFill rotWithShape="1">
+          <a:gsLst>
+            <a:gs pos="0">
+              <a:schemeClr val="phClr">
+                <a:lumMod val="110000"/>
+                <a:satMod val="105000"/>
+                <a:tint val="67000"/>
+              </a:schemeClr>
+            </a:gs>
+            <a:gs pos="50000">
+              <a:schemeClr val="phClr">
+                <a:lumMod val="105000"/>
+                <a:satMod val="103000"/>
+                <a:tint val="73000"/>
+              </a:schemeClr>
+            </a:gs>
+            <a:gs pos="100000">
+              <a:schemeClr val="phClr">
+                <a:lumMod val="105000"/>
+                <a:satMod val="109000"/>
+                <a:tint val="81000"/>
+              </a:schemeClr>
+            </a:gs>
+          </a:gsLst>
+          <a:lin ang="5400000" scaled="0"/>
+        </a:gradFill>
+        <a:gradFill rotWithShape="1">
+          <a:gsLst>
+            <a:gs pos="0">
+              <a:schemeClr val="phClr">
+                <a:satMod val="103000"/>
+                <a:lumMod val="102000"/>
+                <a:tint val="94000"/>
+              </a:schemeClr>
+            </a:gs>
+            <a:gs pos="50000">
+              <a:schemeClr val="phClr">
+                <a:satMod val="110000"/>
+                <a:lumMod val="100000"/>
+                <a:shade val="100000"/>
+              </a:schemeClr>
+            </a:gs>
+            <a:gs pos="100000">
+              <a:schemeClr val="phClr">
+                <a:lumMod val="99000"/>
+                <a:satMod val="120000"/>
+                <a:shade val="78000"/>
+              </a:schemeClr>
+            </a:gs>
+          </a:gsLst>
+          <a:lin ang="5400000" scaled="0"/>
+        </a:gradFill>
+      </a:fillStyleLst>
+      <a:lnStyleLst>
+        <a:ln w="6350" cap="flat" cmpd="sng" algn="ctr">
+          <a:solidFill>
+            <a:schemeClr val="phClr"/>
+          </a:solidFill>
+          <a:prstDash val="solid"/>
+          <a:miter lim="800000"/>
+        </a:ln>
+        <a:ln w="12700" cap="flat" cmpd="sng" algn="ctr">
+          <a:solidFill>
+            <a:schemeClr val="phClr"/>
+          </a:solidFill>
+          <a:prstDash val="solid"/>
+          <a:miter lim="800000"/>
+        </a:ln>
+        <a:ln w="19050" cap="flat" cmpd="sng" algn="ctr">
+          <a:solidFill>
+            <a:schemeClr val="phClr"/>
+          </a:solidFill>
+          <a:prstDash val="solid"/>
+          <a:miter lim="800000"/>
+        </a:ln>
+      </a:lnStyleLst>
+      <a:effectStyleLst>
+        <a:effectStyle>
+          <a:effectLst/>
+        </a:effectStyle>
+        <a:effectStyle>
+          <a:effectLst/>
+        </a:effectStyle>
+        <a:effectStyle>
+          <a:effectLst>
+            <a:outerShdw blurRad="57150" dist="19050" dir="5400000" algn="ctr" rotWithShape="0">
+              <a:srgbClr val="000000">
+                <a:alpha val="63000"/>
+              </a:srgbClr>
+            </a:outerShdw>
+          </a:effectLst>
+        </a:effectStyle>
+      </a:effectStyleLst>
+      <a:bgFillStyleLst>
+        <a:solidFill>
+          <a:schemeClr val="phClr"/>
+        </a:solidFill>
+        <a:solidFill>
+          <a:schemeClr val="phClr">
+            <a:tint val="95000"/>
+            <a:satMod val="170000"/>
+          </a:schemeClr>
+        </a:solidFill>
+        <a:gradFill rotWithShape="1">
+          <a:gsLst>
+            <a:gs pos="0">
+              <a:schemeClr val="phClr">
+                <a:tint val="93000"/>
+                <a:satMod val="150000"/>
+                <a:shade val="98000"/>
+                <a:lumMod val="102000"/>
+              </a:schemeClr>
+            </a:gs>
+            <a:gs pos="50000">
+              <a:schemeClr val="phClr">
+                <a:tint val="98000"/>
+                <a:satMod val="130000"/>
+                <a:shade val="90000"/>
+                <a:lumMod val="103000"/>
+              </a:schemeClr>
+            </a:gs>
+            <a:gs pos="100000">
+              <a:schemeClr val="phClr">
+                <a:shade val="63000"/>
+                <a:satMod val="120000"/>
+              </a:schemeClr>
+            </a:gs>
+          </a:gsLst>
+          <a:lin ang="5400000" scaled="0"/>
+        </a:gradFill>
+      </a:bgFillStyleLst>
+    </a:fmtScheme>
+  </a:themeElements>
+  <a:objectDefaults/>
+  <a:extraClrSchemeLst/>
+  <a:extLst>
+    <a:ext uri="{05A4C25C-085E-4340-85A3-A5531E510DB2}">
+      <thm15:themeFamily xmlns:thm15="http://schemas.microsoft.com/office/thememl/2012/main" name="Office Theme" id="{62F939B6-93AF-4DB8-9C6B-D6C7DFDC589F}" vid="{4A3C46E8-61CC-4603-A589-7422A47A8E4A}"/>
+    </a:ext>
+  </a:extLst>
+</a:theme>
 </file>